--- a/project_documents/City I&T Grand Challenge.pptx
+++ b/project_documents/City I&T Grand Challenge.pptx
@@ -53,7 +53,7 @@
       </p:grpSpPr>
       <p:sp>
         <p:nvSpPr>
-          <p:cNvPr id="40" name="PlaceHolder 1"/>
+          <p:cNvPr id="26" name="PlaceHolder 1"/>
           <p:cNvSpPr>
             <a:spLocks noGrp="1"/>
           </p:cNvSpPr>
@@ -79,10 +79,10 @@
             <a:noAutofit/>
           </a:bodyPr>
           <a:p>
-            <a:pPr indent="0">
+            <a:pPr indent="0" algn="ctr">
               <a:buNone/>
             </a:pPr>
-            <a:endParaRPr b="0" lang="en-US" sz="8400" spc="-1" strike="noStrike">
+            <a:endParaRPr b="0" lang="en-HK" sz="4400" spc="-1" strike="noStrike">
               <a:solidFill>
                 <a:srgbClr val="000000"/>
               </a:solidFill>
@@ -93,7 +93,7 @@
       </p:sp>
       <p:sp>
         <p:nvSpPr>
-          <p:cNvPr id="41" name="PlaceHolder 2"/>
+          <p:cNvPr id="27" name="PlaceHolder 2"/>
           <p:cNvSpPr>
             <a:spLocks noGrp="1"/>
           </p:cNvSpPr>
@@ -103,8 +103,8 @@
         </p:nvSpPr>
         <p:spPr>
           <a:xfrm>
-            <a:off x="622800" y="7579440"/>
-            <a:ext cx="14281560" cy="12055680"/>
+            <a:off x="1511640" y="10007280"/>
+            <a:ext cx="27214200" cy="11831400"/>
           </a:xfrm>
           <a:prstGeom prst="rect">
             <a:avLst/>
@@ -125,18 +125,18 @@
               </a:spcBef>
               <a:buNone/>
             </a:pPr>
-            <a:endParaRPr b="0" lang="en-US" sz="14500" spc="-1" strike="noStrike">
-              <a:solidFill>
-                <a:srgbClr val="000000"/>
-              </a:solidFill>
-              <a:latin typeface="Calibri"/>
+            <a:endParaRPr b="0" lang="en-HK" sz="3200" spc="-1" strike="noStrike">
+              <a:solidFill>
+                <a:srgbClr val="000000"/>
+              </a:solidFill>
+              <a:latin typeface="Arial"/>
             </a:endParaRPr>
           </a:p>
         </p:txBody>
       </p:sp>
       <p:sp>
         <p:nvSpPr>
-          <p:cNvPr id="42" name="PlaceHolder 3"/>
+          <p:cNvPr id="28" name="PlaceHolder 3"/>
           <p:cNvSpPr>
             <a:spLocks noGrp="1"/>
           </p:cNvSpPr>
@@ -146,8 +146,8 @@
         </p:nvSpPr>
         <p:spPr>
           <a:xfrm>
-            <a:off x="622800" y="20780640"/>
-            <a:ext cx="14281560" cy="12055680"/>
+            <a:off x="1511640" y="22962960"/>
+            <a:ext cx="27214200" cy="11831400"/>
           </a:xfrm>
           <a:prstGeom prst="rect">
             <a:avLst/>
@@ -168,11 +168,11 @@
               </a:spcBef>
               <a:buNone/>
             </a:pPr>
-            <a:endParaRPr b="0" lang="en-US" sz="14500" spc="-1" strike="noStrike">
-              <a:solidFill>
-                <a:srgbClr val="000000"/>
-              </a:solidFill>
-              <a:latin typeface="Calibri"/>
+            <a:endParaRPr b="0" lang="en-HK" sz="3200" spc="-1" strike="noStrike">
+              <a:solidFill>
+                <a:srgbClr val="000000"/>
+              </a:solidFill>
+              <a:latin typeface="Arial"/>
             </a:endParaRPr>
           </a:p>
         </p:txBody>
@@ -201,7 +201,7 @@
       </p:grpSpPr>
       <p:sp>
         <p:nvSpPr>
-          <p:cNvPr id="43" name="PlaceHolder 1"/>
+          <p:cNvPr id="29" name="PlaceHolder 1"/>
           <p:cNvSpPr>
             <a:spLocks noGrp="1"/>
           </p:cNvSpPr>
@@ -227,10 +227,10 @@
             <a:noAutofit/>
           </a:bodyPr>
           <a:p>
-            <a:pPr indent="0">
+            <a:pPr indent="0" algn="ctr">
               <a:buNone/>
             </a:pPr>
-            <a:endParaRPr b="0" lang="en-US" sz="8400" spc="-1" strike="noStrike">
+            <a:endParaRPr b="0" lang="en-HK" sz="4400" spc="-1" strike="noStrike">
               <a:solidFill>
                 <a:srgbClr val="000000"/>
               </a:solidFill>
@@ -241,7 +241,7 @@
       </p:sp>
       <p:sp>
         <p:nvSpPr>
-          <p:cNvPr id="44" name="PlaceHolder 2"/>
+          <p:cNvPr id="30" name="PlaceHolder 2"/>
           <p:cNvSpPr>
             <a:spLocks noGrp="1"/>
           </p:cNvSpPr>
@@ -251,8 +251,8 @@
         </p:nvSpPr>
         <p:spPr>
           <a:xfrm>
-            <a:off x="622800" y="7579440"/>
-            <a:ext cx="6969240" cy="12055680"/>
+            <a:off x="1511640" y="10007280"/>
+            <a:ext cx="13280400" cy="11831400"/>
           </a:xfrm>
           <a:prstGeom prst="rect">
             <a:avLst/>
@@ -273,18 +273,18 @@
               </a:spcBef>
               <a:buNone/>
             </a:pPr>
-            <a:endParaRPr b="0" lang="en-US" sz="14500" spc="-1" strike="noStrike">
-              <a:solidFill>
-                <a:srgbClr val="000000"/>
-              </a:solidFill>
-              <a:latin typeface="Calibri"/>
+            <a:endParaRPr b="0" lang="en-HK" sz="3200" spc="-1" strike="noStrike">
+              <a:solidFill>
+                <a:srgbClr val="000000"/>
+              </a:solidFill>
+              <a:latin typeface="Arial"/>
             </a:endParaRPr>
           </a:p>
         </p:txBody>
       </p:sp>
       <p:sp>
         <p:nvSpPr>
-          <p:cNvPr id="45" name="PlaceHolder 3"/>
+          <p:cNvPr id="31" name="PlaceHolder 3"/>
           <p:cNvSpPr>
             <a:spLocks noGrp="1"/>
           </p:cNvSpPr>
@@ -294,8 +294,8 @@
         </p:nvSpPr>
         <p:spPr>
           <a:xfrm>
-            <a:off x="7940880" y="7579440"/>
-            <a:ext cx="6969240" cy="12055680"/>
+            <a:off x="15456600" y="10007280"/>
+            <a:ext cx="13280400" cy="11831400"/>
           </a:xfrm>
           <a:prstGeom prst="rect">
             <a:avLst/>
@@ -316,18 +316,18 @@
               </a:spcBef>
               <a:buNone/>
             </a:pPr>
-            <a:endParaRPr b="0" lang="en-US" sz="14500" spc="-1" strike="noStrike">
-              <a:solidFill>
-                <a:srgbClr val="000000"/>
-              </a:solidFill>
-              <a:latin typeface="Calibri"/>
+            <a:endParaRPr b="0" lang="en-HK" sz="3200" spc="-1" strike="noStrike">
+              <a:solidFill>
+                <a:srgbClr val="000000"/>
+              </a:solidFill>
+              <a:latin typeface="Arial"/>
             </a:endParaRPr>
           </a:p>
         </p:txBody>
       </p:sp>
       <p:sp>
         <p:nvSpPr>
-          <p:cNvPr id="46" name="PlaceHolder 4"/>
+          <p:cNvPr id="32" name="PlaceHolder 4"/>
           <p:cNvSpPr>
             <a:spLocks noGrp="1"/>
           </p:cNvSpPr>
@@ -337,8 +337,8 @@
         </p:nvSpPr>
         <p:spPr>
           <a:xfrm>
-            <a:off x="622800" y="20780640"/>
-            <a:ext cx="6969240" cy="12055680"/>
+            <a:off x="1511640" y="22962960"/>
+            <a:ext cx="13280400" cy="11831400"/>
           </a:xfrm>
           <a:prstGeom prst="rect">
             <a:avLst/>
@@ -359,18 +359,18 @@
               </a:spcBef>
               <a:buNone/>
             </a:pPr>
-            <a:endParaRPr b="0" lang="en-US" sz="14500" spc="-1" strike="noStrike">
-              <a:solidFill>
-                <a:srgbClr val="000000"/>
-              </a:solidFill>
-              <a:latin typeface="Calibri"/>
+            <a:endParaRPr b="0" lang="en-HK" sz="3200" spc="-1" strike="noStrike">
+              <a:solidFill>
+                <a:srgbClr val="000000"/>
+              </a:solidFill>
+              <a:latin typeface="Arial"/>
             </a:endParaRPr>
           </a:p>
         </p:txBody>
       </p:sp>
       <p:sp>
         <p:nvSpPr>
-          <p:cNvPr id="47" name="PlaceHolder 5"/>
+          <p:cNvPr id="33" name="PlaceHolder 5"/>
           <p:cNvSpPr>
             <a:spLocks noGrp="1"/>
           </p:cNvSpPr>
@@ -380,8 +380,8 @@
         </p:nvSpPr>
         <p:spPr>
           <a:xfrm>
-            <a:off x="7940880" y="20780640"/>
-            <a:ext cx="6969240" cy="12055680"/>
+            <a:off x="15456600" y="22962960"/>
+            <a:ext cx="13280400" cy="11831400"/>
           </a:xfrm>
           <a:prstGeom prst="rect">
             <a:avLst/>
@@ -402,11 +402,11 @@
               </a:spcBef>
               <a:buNone/>
             </a:pPr>
-            <a:endParaRPr b="0" lang="en-US" sz="14500" spc="-1" strike="noStrike">
-              <a:solidFill>
-                <a:srgbClr val="000000"/>
-              </a:solidFill>
-              <a:latin typeface="Calibri"/>
+            <a:endParaRPr b="0" lang="en-HK" sz="3200" spc="-1" strike="noStrike">
+              <a:solidFill>
+                <a:srgbClr val="000000"/>
+              </a:solidFill>
+              <a:latin typeface="Arial"/>
             </a:endParaRPr>
           </a:p>
         </p:txBody>
@@ -435,7 +435,7 @@
       </p:grpSpPr>
       <p:sp>
         <p:nvSpPr>
-          <p:cNvPr id="48" name="PlaceHolder 1"/>
+          <p:cNvPr id="34" name="PlaceHolder 1"/>
           <p:cNvSpPr>
             <a:spLocks noGrp="1"/>
           </p:cNvSpPr>
@@ -461,10 +461,10 @@
             <a:noAutofit/>
           </a:bodyPr>
           <a:p>
-            <a:pPr indent="0">
+            <a:pPr indent="0" algn="ctr">
               <a:buNone/>
             </a:pPr>
-            <a:endParaRPr b="0" lang="en-US" sz="8400" spc="-1" strike="noStrike">
+            <a:endParaRPr b="0" lang="en-HK" sz="4400" spc="-1" strike="noStrike">
               <a:solidFill>
                 <a:srgbClr val="000000"/>
               </a:solidFill>
@@ -475,7 +475,7 @@
       </p:sp>
       <p:sp>
         <p:nvSpPr>
-          <p:cNvPr id="49" name="PlaceHolder 2"/>
+          <p:cNvPr id="35" name="PlaceHolder 2"/>
           <p:cNvSpPr>
             <a:spLocks noGrp="1"/>
           </p:cNvSpPr>
@@ -485,8 +485,8 @@
         </p:nvSpPr>
         <p:spPr>
           <a:xfrm>
-            <a:off x="622800" y="7579440"/>
-            <a:ext cx="4598280" cy="12055680"/>
+            <a:off x="1511640" y="10007280"/>
+            <a:ext cx="8762760" cy="11831400"/>
           </a:xfrm>
           <a:prstGeom prst="rect">
             <a:avLst/>
@@ -507,18 +507,18 @@
               </a:spcBef>
               <a:buNone/>
             </a:pPr>
-            <a:endParaRPr b="0" lang="en-US" sz="14500" spc="-1" strike="noStrike">
-              <a:solidFill>
-                <a:srgbClr val="000000"/>
-              </a:solidFill>
-              <a:latin typeface="Calibri"/>
+            <a:endParaRPr b="0" lang="en-HK" sz="3200" spc="-1" strike="noStrike">
+              <a:solidFill>
+                <a:srgbClr val="000000"/>
+              </a:solidFill>
+              <a:latin typeface="Arial"/>
             </a:endParaRPr>
           </a:p>
         </p:txBody>
       </p:sp>
       <p:sp>
         <p:nvSpPr>
-          <p:cNvPr id="50" name="PlaceHolder 3"/>
+          <p:cNvPr id="36" name="PlaceHolder 3"/>
           <p:cNvSpPr>
             <a:spLocks noGrp="1"/>
           </p:cNvSpPr>
@@ -528,8 +528,8 @@
         </p:nvSpPr>
         <p:spPr>
           <a:xfrm>
-            <a:off x="5451480" y="7579440"/>
-            <a:ext cx="4598280" cy="12055680"/>
+            <a:off x="10712880" y="10007280"/>
+            <a:ext cx="8762760" cy="11831400"/>
           </a:xfrm>
           <a:prstGeom prst="rect">
             <a:avLst/>
@@ -550,18 +550,18 @@
               </a:spcBef>
               <a:buNone/>
             </a:pPr>
-            <a:endParaRPr b="0" lang="en-US" sz="14500" spc="-1" strike="noStrike">
-              <a:solidFill>
-                <a:srgbClr val="000000"/>
-              </a:solidFill>
-              <a:latin typeface="Calibri"/>
+            <a:endParaRPr b="0" lang="en-HK" sz="3200" spc="-1" strike="noStrike">
+              <a:solidFill>
+                <a:srgbClr val="000000"/>
+              </a:solidFill>
+              <a:latin typeface="Arial"/>
             </a:endParaRPr>
           </a:p>
         </p:txBody>
       </p:sp>
       <p:sp>
         <p:nvSpPr>
-          <p:cNvPr id="51" name="PlaceHolder 4"/>
+          <p:cNvPr id="37" name="PlaceHolder 4"/>
           <p:cNvSpPr>
             <a:spLocks noGrp="1"/>
           </p:cNvSpPr>
@@ -571,8 +571,8 @@
         </p:nvSpPr>
         <p:spPr>
           <a:xfrm>
-            <a:off x="10279800" y="7579440"/>
-            <a:ext cx="4598280" cy="12055680"/>
+            <a:off x="19914120" y="10007280"/>
+            <a:ext cx="8762760" cy="11831400"/>
           </a:xfrm>
           <a:prstGeom prst="rect">
             <a:avLst/>
@@ -593,18 +593,18 @@
               </a:spcBef>
               <a:buNone/>
             </a:pPr>
-            <a:endParaRPr b="0" lang="en-US" sz="14500" spc="-1" strike="noStrike">
-              <a:solidFill>
-                <a:srgbClr val="000000"/>
-              </a:solidFill>
-              <a:latin typeface="Calibri"/>
+            <a:endParaRPr b="0" lang="en-HK" sz="3200" spc="-1" strike="noStrike">
+              <a:solidFill>
+                <a:srgbClr val="000000"/>
+              </a:solidFill>
+              <a:latin typeface="Arial"/>
             </a:endParaRPr>
           </a:p>
         </p:txBody>
       </p:sp>
       <p:sp>
         <p:nvSpPr>
-          <p:cNvPr id="52" name="PlaceHolder 5"/>
+          <p:cNvPr id="38" name="PlaceHolder 5"/>
           <p:cNvSpPr>
             <a:spLocks noGrp="1"/>
           </p:cNvSpPr>
@@ -614,8 +614,8 @@
         </p:nvSpPr>
         <p:spPr>
           <a:xfrm>
-            <a:off x="622800" y="20780640"/>
-            <a:ext cx="4598280" cy="12055680"/>
+            <a:off x="1511640" y="22962960"/>
+            <a:ext cx="8762760" cy="11831400"/>
           </a:xfrm>
           <a:prstGeom prst="rect">
             <a:avLst/>
@@ -636,18 +636,18 @@
               </a:spcBef>
               <a:buNone/>
             </a:pPr>
-            <a:endParaRPr b="0" lang="en-US" sz="14500" spc="-1" strike="noStrike">
-              <a:solidFill>
-                <a:srgbClr val="000000"/>
-              </a:solidFill>
-              <a:latin typeface="Calibri"/>
+            <a:endParaRPr b="0" lang="en-HK" sz="3200" spc="-1" strike="noStrike">
+              <a:solidFill>
+                <a:srgbClr val="000000"/>
+              </a:solidFill>
+              <a:latin typeface="Arial"/>
             </a:endParaRPr>
           </a:p>
         </p:txBody>
       </p:sp>
       <p:sp>
         <p:nvSpPr>
-          <p:cNvPr id="53" name="PlaceHolder 6"/>
+          <p:cNvPr id="39" name="PlaceHolder 6"/>
           <p:cNvSpPr>
             <a:spLocks noGrp="1"/>
           </p:cNvSpPr>
@@ -657,8 +657,8 @@
         </p:nvSpPr>
         <p:spPr>
           <a:xfrm>
-            <a:off x="5451480" y="20780640"/>
-            <a:ext cx="4598280" cy="12055680"/>
+            <a:off x="10712880" y="22962960"/>
+            <a:ext cx="8762760" cy="11831400"/>
           </a:xfrm>
           <a:prstGeom prst="rect">
             <a:avLst/>
@@ -679,18 +679,18 @@
               </a:spcBef>
               <a:buNone/>
             </a:pPr>
-            <a:endParaRPr b="0" lang="en-US" sz="14500" spc="-1" strike="noStrike">
-              <a:solidFill>
-                <a:srgbClr val="000000"/>
-              </a:solidFill>
-              <a:latin typeface="Calibri"/>
+            <a:endParaRPr b="0" lang="en-HK" sz="3200" spc="-1" strike="noStrike">
+              <a:solidFill>
+                <a:srgbClr val="000000"/>
+              </a:solidFill>
+              <a:latin typeface="Arial"/>
             </a:endParaRPr>
           </a:p>
         </p:txBody>
       </p:sp>
       <p:sp>
         <p:nvSpPr>
-          <p:cNvPr id="54" name="PlaceHolder 7"/>
+          <p:cNvPr id="40" name="PlaceHolder 7"/>
           <p:cNvSpPr>
             <a:spLocks noGrp="1"/>
           </p:cNvSpPr>
@@ -700,8 +700,8 @@
         </p:nvSpPr>
         <p:spPr>
           <a:xfrm>
-            <a:off x="10279800" y="20780640"/>
-            <a:ext cx="4598280" cy="12055680"/>
+            <a:off x="19914120" y="22962960"/>
+            <a:ext cx="8762760" cy="11831400"/>
           </a:xfrm>
           <a:prstGeom prst="rect">
             <a:avLst/>
@@ -722,11 +722,11 @@
               </a:spcBef>
               <a:buNone/>
             </a:pPr>
-            <a:endParaRPr b="0" lang="en-US" sz="14500" spc="-1" strike="noStrike">
-              <a:solidFill>
-                <a:srgbClr val="000000"/>
-              </a:solidFill>
-              <a:latin typeface="Calibri"/>
+            <a:endParaRPr b="0" lang="en-HK" sz="3200" spc="-1" strike="noStrike">
+              <a:solidFill>
+                <a:srgbClr val="000000"/>
+              </a:solidFill>
+              <a:latin typeface="Arial"/>
             </a:endParaRPr>
           </a:p>
         </p:txBody>
@@ -755,7 +755,7 @@
       </p:grpSpPr>
       <p:sp>
         <p:nvSpPr>
-          <p:cNvPr id="19" name="PlaceHolder 1"/>
+          <p:cNvPr id="5" name="PlaceHolder 1"/>
           <p:cNvSpPr>
             <a:spLocks noGrp="1"/>
           </p:cNvSpPr>
@@ -781,10 +781,10 @@
             <a:noAutofit/>
           </a:bodyPr>
           <a:p>
-            <a:pPr indent="0">
+            <a:pPr indent="0" algn="ctr">
               <a:buNone/>
             </a:pPr>
-            <a:endParaRPr b="0" lang="en-US" sz="8400" spc="-1" strike="noStrike">
+            <a:endParaRPr b="0" lang="en-HK" sz="4400" spc="-1" strike="noStrike">
               <a:solidFill>
                 <a:srgbClr val="000000"/>
               </a:solidFill>
@@ -795,7 +795,7 @@
       </p:sp>
       <p:sp>
         <p:nvSpPr>
-          <p:cNvPr id="20" name="PlaceHolder 2"/>
+          <p:cNvPr id="6" name="PlaceHolder 2"/>
           <p:cNvSpPr>
             <a:spLocks noGrp="1"/>
           </p:cNvSpPr>
@@ -805,8 +805,8 @@
         </p:nvSpPr>
         <p:spPr>
           <a:xfrm>
-            <a:off x="622800" y="7579440"/>
-            <a:ext cx="14281560" cy="25274160"/>
+            <a:off x="1511640" y="10007280"/>
+            <a:ext cx="27214200" cy="24804360"/>
           </a:xfrm>
           <a:prstGeom prst="rect">
             <a:avLst/>
@@ -857,7 +857,7 @@
       </p:grpSpPr>
       <p:sp>
         <p:nvSpPr>
-          <p:cNvPr id="21" name="PlaceHolder 1"/>
+          <p:cNvPr id="7" name="PlaceHolder 1"/>
           <p:cNvSpPr>
             <a:spLocks noGrp="1"/>
           </p:cNvSpPr>
@@ -883,10 +883,10 @@
             <a:noAutofit/>
           </a:bodyPr>
           <a:p>
-            <a:pPr indent="0">
+            <a:pPr indent="0" algn="ctr">
               <a:buNone/>
             </a:pPr>
-            <a:endParaRPr b="0" lang="en-US" sz="8400" spc="-1" strike="noStrike">
+            <a:endParaRPr b="0" lang="en-HK" sz="4400" spc="-1" strike="noStrike">
               <a:solidFill>
                 <a:srgbClr val="000000"/>
               </a:solidFill>
@@ -897,7 +897,7 @@
       </p:sp>
       <p:sp>
         <p:nvSpPr>
-          <p:cNvPr id="22" name="PlaceHolder 2"/>
+          <p:cNvPr id="8" name="PlaceHolder 2"/>
           <p:cNvSpPr>
             <a:spLocks noGrp="1"/>
           </p:cNvSpPr>
@@ -907,8 +907,8 @@
         </p:nvSpPr>
         <p:spPr>
           <a:xfrm>
-            <a:off x="622800" y="7579440"/>
-            <a:ext cx="14281560" cy="25274160"/>
+            <a:off x="1511640" y="10007280"/>
+            <a:ext cx="27214200" cy="24804360"/>
           </a:xfrm>
           <a:prstGeom prst="rect">
             <a:avLst/>
@@ -929,11 +929,11 @@
               </a:spcBef>
               <a:buNone/>
             </a:pPr>
-            <a:endParaRPr b="0" lang="en-US" sz="14500" spc="-1" strike="noStrike">
-              <a:solidFill>
-                <a:srgbClr val="000000"/>
-              </a:solidFill>
-              <a:latin typeface="Calibri"/>
+            <a:endParaRPr b="0" lang="en-HK" sz="3200" spc="-1" strike="noStrike">
+              <a:solidFill>
+                <a:srgbClr val="000000"/>
+              </a:solidFill>
+              <a:latin typeface="Arial"/>
             </a:endParaRPr>
           </a:p>
         </p:txBody>
@@ -962,7 +962,7 @@
       </p:grpSpPr>
       <p:sp>
         <p:nvSpPr>
-          <p:cNvPr id="23" name="PlaceHolder 1"/>
+          <p:cNvPr id="9" name="PlaceHolder 1"/>
           <p:cNvSpPr>
             <a:spLocks noGrp="1"/>
           </p:cNvSpPr>
@@ -988,10 +988,10 @@
             <a:noAutofit/>
           </a:bodyPr>
           <a:p>
-            <a:pPr indent="0">
+            <a:pPr indent="0" algn="ctr">
               <a:buNone/>
             </a:pPr>
-            <a:endParaRPr b="0" lang="en-US" sz="8400" spc="-1" strike="noStrike">
+            <a:endParaRPr b="0" lang="en-HK" sz="4400" spc="-1" strike="noStrike">
               <a:solidFill>
                 <a:srgbClr val="000000"/>
               </a:solidFill>
@@ -1002,7 +1002,7 @@
       </p:sp>
       <p:sp>
         <p:nvSpPr>
-          <p:cNvPr id="24" name="PlaceHolder 2"/>
+          <p:cNvPr id="10" name="PlaceHolder 2"/>
           <p:cNvSpPr>
             <a:spLocks noGrp="1"/>
           </p:cNvSpPr>
@@ -1012,8 +1012,8 @@
         </p:nvSpPr>
         <p:spPr>
           <a:xfrm>
-            <a:off x="622800" y="7579440"/>
-            <a:ext cx="6969240" cy="25274160"/>
+            <a:off x="1511640" y="10007280"/>
+            <a:ext cx="13280400" cy="24804360"/>
           </a:xfrm>
           <a:prstGeom prst="rect">
             <a:avLst/>
@@ -1034,18 +1034,18 @@
               </a:spcBef>
               <a:buNone/>
             </a:pPr>
-            <a:endParaRPr b="0" lang="en-US" sz="14500" spc="-1" strike="noStrike">
-              <a:solidFill>
-                <a:srgbClr val="000000"/>
-              </a:solidFill>
-              <a:latin typeface="Calibri"/>
+            <a:endParaRPr b="0" lang="en-HK" sz="3200" spc="-1" strike="noStrike">
+              <a:solidFill>
+                <a:srgbClr val="000000"/>
+              </a:solidFill>
+              <a:latin typeface="Arial"/>
             </a:endParaRPr>
           </a:p>
         </p:txBody>
       </p:sp>
       <p:sp>
         <p:nvSpPr>
-          <p:cNvPr id="25" name="PlaceHolder 3"/>
+          <p:cNvPr id="11" name="PlaceHolder 3"/>
           <p:cNvSpPr>
             <a:spLocks noGrp="1"/>
           </p:cNvSpPr>
@@ -1055,8 +1055,8 @@
         </p:nvSpPr>
         <p:spPr>
           <a:xfrm>
-            <a:off x="7940880" y="7579440"/>
-            <a:ext cx="6969240" cy="25274160"/>
+            <a:off x="15456600" y="10007280"/>
+            <a:ext cx="13280400" cy="24804360"/>
           </a:xfrm>
           <a:prstGeom prst="rect">
             <a:avLst/>
@@ -1077,11 +1077,11 @@
               </a:spcBef>
               <a:buNone/>
             </a:pPr>
-            <a:endParaRPr b="0" lang="en-US" sz="14500" spc="-1" strike="noStrike">
-              <a:solidFill>
-                <a:srgbClr val="000000"/>
-              </a:solidFill>
-              <a:latin typeface="Calibri"/>
+            <a:endParaRPr b="0" lang="en-HK" sz="3200" spc="-1" strike="noStrike">
+              <a:solidFill>
+                <a:srgbClr val="000000"/>
+              </a:solidFill>
+              <a:latin typeface="Arial"/>
             </a:endParaRPr>
           </a:p>
         </p:txBody>
@@ -1110,7 +1110,7 @@
       </p:grpSpPr>
       <p:sp>
         <p:nvSpPr>
-          <p:cNvPr id="26" name="PlaceHolder 1"/>
+          <p:cNvPr id="12" name="PlaceHolder 1"/>
           <p:cNvSpPr>
             <a:spLocks noGrp="1"/>
           </p:cNvSpPr>
@@ -1136,10 +1136,10 @@
             <a:noAutofit/>
           </a:bodyPr>
           <a:p>
-            <a:pPr indent="0">
+            <a:pPr indent="0" algn="ctr">
               <a:buNone/>
             </a:pPr>
-            <a:endParaRPr b="0" lang="en-US" sz="8400" spc="-1" strike="noStrike">
+            <a:endParaRPr b="0" lang="en-HK" sz="4400" spc="-1" strike="noStrike">
               <a:solidFill>
                 <a:srgbClr val="000000"/>
               </a:solidFill>
@@ -1172,7 +1172,7 @@
       </p:grpSpPr>
       <p:sp>
         <p:nvSpPr>
-          <p:cNvPr id="27" name="PlaceHolder 1"/>
+          <p:cNvPr id="13" name="PlaceHolder 1"/>
           <p:cNvSpPr>
             <a:spLocks noGrp="1"/>
           </p:cNvSpPr>
@@ -1232,7 +1232,7 @@
       </p:grpSpPr>
       <p:sp>
         <p:nvSpPr>
-          <p:cNvPr id="28" name="PlaceHolder 1"/>
+          <p:cNvPr id="14" name="PlaceHolder 1"/>
           <p:cNvSpPr>
             <a:spLocks noGrp="1"/>
           </p:cNvSpPr>
@@ -1258,10 +1258,10 @@
             <a:noAutofit/>
           </a:bodyPr>
           <a:p>
-            <a:pPr indent="0">
+            <a:pPr indent="0" algn="ctr">
               <a:buNone/>
             </a:pPr>
-            <a:endParaRPr b="0" lang="en-US" sz="8400" spc="-1" strike="noStrike">
+            <a:endParaRPr b="0" lang="en-HK" sz="4400" spc="-1" strike="noStrike">
               <a:solidFill>
                 <a:srgbClr val="000000"/>
               </a:solidFill>
@@ -1272,7 +1272,7 @@
       </p:sp>
       <p:sp>
         <p:nvSpPr>
-          <p:cNvPr id="29" name="PlaceHolder 2"/>
+          <p:cNvPr id="15" name="PlaceHolder 2"/>
           <p:cNvSpPr>
             <a:spLocks noGrp="1"/>
           </p:cNvSpPr>
@@ -1282,8 +1282,8 @@
         </p:nvSpPr>
         <p:spPr>
           <a:xfrm>
-            <a:off x="622800" y="7579440"/>
-            <a:ext cx="6969240" cy="12055680"/>
+            <a:off x="1511640" y="10007280"/>
+            <a:ext cx="13280400" cy="11831400"/>
           </a:xfrm>
           <a:prstGeom prst="rect">
             <a:avLst/>
@@ -1304,18 +1304,18 @@
               </a:spcBef>
               <a:buNone/>
             </a:pPr>
-            <a:endParaRPr b="0" lang="en-US" sz="14500" spc="-1" strike="noStrike">
-              <a:solidFill>
-                <a:srgbClr val="000000"/>
-              </a:solidFill>
-              <a:latin typeface="Calibri"/>
+            <a:endParaRPr b="0" lang="en-HK" sz="3200" spc="-1" strike="noStrike">
+              <a:solidFill>
+                <a:srgbClr val="000000"/>
+              </a:solidFill>
+              <a:latin typeface="Arial"/>
             </a:endParaRPr>
           </a:p>
         </p:txBody>
       </p:sp>
       <p:sp>
         <p:nvSpPr>
-          <p:cNvPr id="30" name="PlaceHolder 3"/>
+          <p:cNvPr id="16" name="PlaceHolder 3"/>
           <p:cNvSpPr>
             <a:spLocks noGrp="1"/>
           </p:cNvSpPr>
@@ -1325,8 +1325,8 @@
         </p:nvSpPr>
         <p:spPr>
           <a:xfrm>
-            <a:off x="7940880" y="7579440"/>
-            <a:ext cx="6969240" cy="25274160"/>
+            <a:off x="15456600" y="10007280"/>
+            <a:ext cx="13280400" cy="24804360"/>
           </a:xfrm>
           <a:prstGeom prst="rect">
             <a:avLst/>
@@ -1347,18 +1347,18 @@
               </a:spcBef>
               <a:buNone/>
             </a:pPr>
-            <a:endParaRPr b="0" lang="en-US" sz="14500" spc="-1" strike="noStrike">
-              <a:solidFill>
-                <a:srgbClr val="000000"/>
-              </a:solidFill>
-              <a:latin typeface="Calibri"/>
+            <a:endParaRPr b="0" lang="en-HK" sz="3200" spc="-1" strike="noStrike">
+              <a:solidFill>
+                <a:srgbClr val="000000"/>
+              </a:solidFill>
+              <a:latin typeface="Arial"/>
             </a:endParaRPr>
           </a:p>
         </p:txBody>
       </p:sp>
       <p:sp>
         <p:nvSpPr>
-          <p:cNvPr id="31" name="PlaceHolder 4"/>
+          <p:cNvPr id="17" name="PlaceHolder 4"/>
           <p:cNvSpPr>
             <a:spLocks noGrp="1"/>
           </p:cNvSpPr>
@@ -1368,8 +1368,8 @@
         </p:nvSpPr>
         <p:spPr>
           <a:xfrm>
-            <a:off x="622800" y="20780640"/>
-            <a:ext cx="6969240" cy="12055680"/>
+            <a:off x="1511640" y="22962960"/>
+            <a:ext cx="13280400" cy="11831400"/>
           </a:xfrm>
           <a:prstGeom prst="rect">
             <a:avLst/>
@@ -1390,11 +1390,11 @@
               </a:spcBef>
               <a:buNone/>
             </a:pPr>
-            <a:endParaRPr b="0" lang="en-US" sz="14500" spc="-1" strike="noStrike">
-              <a:solidFill>
-                <a:srgbClr val="000000"/>
-              </a:solidFill>
-              <a:latin typeface="Calibri"/>
+            <a:endParaRPr b="0" lang="en-HK" sz="3200" spc="-1" strike="noStrike">
+              <a:solidFill>
+                <a:srgbClr val="000000"/>
+              </a:solidFill>
+              <a:latin typeface="Arial"/>
             </a:endParaRPr>
           </a:p>
         </p:txBody>
@@ -1423,7 +1423,7 @@
       </p:grpSpPr>
       <p:sp>
         <p:nvSpPr>
-          <p:cNvPr id="32" name="PlaceHolder 1"/>
+          <p:cNvPr id="18" name="PlaceHolder 1"/>
           <p:cNvSpPr>
             <a:spLocks noGrp="1"/>
           </p:cNvSpPr>
@@ -1449,10 +1449,10 @@
             <a:noAutofit/>
           </a:bodyPr>
           <a:p>
-            <a:pPr indent="0">
+            <a:pPr indent="0" algn="ctr">
               <a:buNone/>
             </a:pPr>
-            <a:endParaRPr b="0" lang="en-US" sz="8400" spc="-1" strike="noStrike">
+            <a:endParaRPr b="0" lang="en-HK" sz="4400" spc="-1" strike="noStrike">
               <a:solidFill>
                 <a:srgbClr val="000000"/>
               </a:solidFill>
@@ -1463,7 +1463,7 @@
       </p:sp>
       <p:sp>
         <p:nvSpPr>
-          <p:cNvPr id="33" name="PlaceHolder 2"/>
+          <p:cNvPr id="19" name="PlaceHolder 2"/>
           <p:cNvSpPr>
             <a:spLocks noGrp="1"/>
           </p:cNvSpPr>
@@ -1473,8 +1473,8 @@
         </p:nvSpPr>
         <p:spPr>
           <a:xfrm>
-            <a:off x="622800" y="7579440"/>
-            <a:ext cx="6969240" cy="25274160"/>
+            <a:off x="1511640" y="10007280"/>
+            <a:ext cx="13280400" cy="24804360"/>
           </a:xfrm>
           <a:prstGeom prst="rect">
             <a:avLst/>
@@ -1495,18 +1495,18 @@
               </a:spcBef>
               <a:buNone/>
             </a:pPr>
-            <a:endParaRPr b="0" lang="en-US" sz="14500" spc="-1" strike="noStrike">
-              <a:solidFill>
-                <a:srgbClr val="000000"/>
-              </a:solidFill>
-              <a:latin typeface="Calibri"/>
+            <a:endParaRPr b="0" lang="en-HK" sz="3200" spc="-1" strike="noStrike">
+              <a:solidFill>
+                <a:srgbClr val="000000"/>
+              </a:solidFill>
+              <a:latin typeface="Arial"/>
             </a:endParaRPr>
           </a:p>
         </p:txBody>
       </p:sp>
       <p:sp>
         <p:nvSpPr>
-          <p:cNvPr id="34" name="PlaceHolder 3"/>
+          <p:cNvPr id="20" name="PlaceHolder 3"/>
           <p:cNvSpPr>
             <a:spLocks noGrp="1"/>
           </p:cNvSpPr>
@@ -1516,8 +1516,8 @@
         </p:nvSpPr>
         <p:spPr>
           <a:xfrm>
-            <a:off x="7940880" y="7579440"/>
-            <a:ext cx="6969240" cy="12055680"/>
+            <a:off x="15456600" y="10007280"/>
+            <a:ext cx="13280400" cy="11831400"/>
           </a:xfrm>
           <a:prstGeom prst="rect">
             <a:avLst/>
@@ -1538,18 +1538,18 @@
               </a:spcBef>
               <a:buNone/>
             </a:pPr>
-            <a:endParaRPr b="0" lang="en-US" sz="14500" spc="-1" strike="noStrike">
-              <a:solidFill>
-                <a:srgbClr val="000000"/>
-              </a:solidFill>
-              <a:latin typeface="Calibri"/>
+            <a:endParaRPr b="0" lang="en-HK" sz="3200" spc="-1" strike="noStrike">
+              <a:solidFill>
+                <a:srgbClr val="000000"/>
+              </a:solidFill>
+              <a:latin typeface="Arial"/>
             </a:endParaRPr>
           </a:p>
         </p:txBody>
       </p:sp>
       <p:sp>
         <p:nvSpPr>
-          <p:cNvPr id="35" name="PlaceHolder 4"/>
+          <p:cNvPr id="21" name="PlaceHolder 4"/>
           <p:cNvSpPr>
             <a:spLocks noGrp="1"/>
           </p:cNvSpPr>
@@ -1559,8 +1559,8 @@
         </p:nvSpPr>
         <p:spPr>
           <a:xfrm>
-            <a:off x="7940880" y="20780640"/>
-            <a:ext cx="6969240" cy="12055680"/>
+            <a:off x="15456600" y="22962960"/>
+            <a:ext cx="13280400" cy="11831400"/>
           </a:xfrm>
           <a:prstGeom prst="rect">
             <a:avLst/>
@@ -1581,11 +1581,11 @@
               </a:spcBef>
               <a:buNone/>
             </a:pPr>
-            <a:endParaRPr b="0" lang="en-US" sz="14500" spc="-1" strike="noStrike">
-              <a:solidFill>
-                <a:srgbClr val="000000"/>
-              </a:solidFill>
-              <a:latin typeface="Calibri"/>
+            <a:endParaRPr b="0" lang="en-HK" sz="3200" spc="-1" strike="noStrike">
+              <a:solidFill>
+                <a:srgbClr val="000000"/>
+              </a:solidFill>
+              <a:latin typeface="Arial"/>
             </a:endParaRPr>
           </a:p>
         </p:txBody>
@@ -1614,7 +1614,7 @@
       </p:grpSpPr>
       <p:sp>
         <p:nvSpPr>
-          <p:cNvPr id="36" name="PlaceHolder 1"/>
+          <p:cNvPr id="22" name="PlaceHolder 1"/>
           <p:cNvSpPr>
             <a:spLocks noGrp="1"/>
           </p:cNvSpPr>
@@ -1640,10 +1640,10 @@
             <a:noAutofit/>
           </a:bodyPr>
           <a:p>
-            <a:pPr indent="0">
+            <a:pPr indent="0" algn="ctr">
               <a:buNone/>
             </a:pPr>
-            <a:endParaRPr b="0" lang="en-US" sz="8400" spc="-1" strike="noStrike">
+            <a:endParaRPr b="0" lang="en-HK" sz="4400" spc="-1" strike="noStrike">
               <a:solidFill>
                 <a:srgbClr val="000000"/>
               </a:solidFill>
@@ -1654,7 +1654,7 @@
       </p:sp>
       <p:sp>
         <p:nvSpPr>
-          <p:cNvPr id="37" name="PlaceHolder 2"/>
+          <p:cNvPr id="23" name="PlaceHolder 2"/>
           <p:cNvSpPr>
             <a:spLocks noGrp="1"/>
           </p:cNvSpPr>
@@ -1664,8 +1664,8 @@
         </p:nvSpPr>
         <p:spPr>
           <a:xfrm>
-            <a:off x="622800" y="7579440"/>
-            <a:ext cx="6969240" cy="12055680"/>
+            <a:off x="1511640" y="10007280"/>
+            <a:ext cx="13280400" cy="11831400"/>
           </a:xfrm>
           <a:prstGeom prst="rect">
             <a:avLst/>
@@ -1686,18 +1686,18 @@
               </a:spcBef>
               <a:buNone/>
             </a:pPr>
-            <a:endParaRPr b="0" lang="en-US" sz="14500" spc="-1" strike="noStrike">
-              <a:solidFill>
-                <a:srgbClr val="000000"/>
-              </a:solidFill>
-              <a:latin typeface="Calibri"/>
+            <a:endParaRPr b="0" lang="en-HK" sz="3200" spc="-1" strike="noStrike">
+              <a:solidFill>
+                <a:srgbClr val="000000"/>
+              </a:solidFill>
+              <a:latin typeface="Arial"/>
             </a:endParaRPr>
           </a:p>
         </p:txBody>
       </p:sp>
       <p:sp>
         <p:nvSpPr>
-          <p:cNvPr id="38" name="PlaceHolder 3"/>
+          <p:cNvPr id="24" name="PlaceHolder 3"/>
           <p:cNvSpPr>
             <a:spLocks noGrp="1"/>
           </p:cNvSpPr>
@@ -1707,8 +1707,8 @@
         </p:nvSpPr>
         <p:spPr>
           <a:xfrm>
-            <a:off x="7940880" y="7579440"/>
-            <a:ext cx="6969240" cy="12055680"/>
+            <a:off x="15456600" y="10007280"/>
+            <a:ext cx="13280400" cy="11831400"/>
           </a:xfrm>
           <a:prstGeom prst="rect">
             <a:avLst/>
@@ -1729,18 +1729,18 @@
               </a:spcBef>
               <a:buNone/>
             </a:pPr>
-            <a:endParaRPr b="0" lang="en-US" sz="14500" spc="-1" strike="noStrike">
-              <a:solidFill>
-                <a:srgbClr val="000000"/>
-              </a:solidFill>
-              <a:latin typeface="Calibri"/>
+            <a:endParaRPr b="0" lang="en-HK" sz="3200" spc="-1" strike="noStrike">
+              <a:solidFill>
+                <a:srgbClr val="000000"/>
+              </a:solidFill>
+              <a:latin typeface="Arial"/>
             </a:endParaRPr>
           </a:p>
         </p:txBody>
       </p:sp>
       <p:sp>
         <p:nvSpPr>
-          <p:cNvPr id="39" name="PlaceHolder 4"/>
+          <p:cNvPr id="25" name="PlaceHolder 4"/>
           <p:cNvSpPr>
             <a:spLocks noGrp="1"/>
           </p:cNvSpPr>
@@ -1750,8 +1750,8 @@
         </p:nvSpPr>
         <p:spPr>
           <a:xfrm>
-            <a:off x="622800" y="20780640"/>
-            <a:ext cx="14281560" cy="12055680"/>
+            <a:off x="1511640" y="22962960"/>
+            <a:ext cx="27214200" cy="11831400"/>
           </a:xfrm>
           <a:prstGeom prst="rect">
             <a:avLst/>
@@ -1772,11 +1772,11 @@
               </a:spcBef>
               <a:buNone/>
             </a:pPr>
-            <a:endParaRPr b="0" lang="en-US" sz="14500" spc="-1" strike="noStrike">
-              <a:solidFill>
-                <a:srgbClr val="000000"/>
-              </a:solidFill>
-              <a:latin typeface="Calibri"/>
+            <a:endParaRPr b="0" lang="en-HK" sz="3200" spc="-1" strike="noStrike">
+              <a:solidFill>
+                <a:srgbClr val="000000"/>
+              </a:solidFill>
+              <a:latin typeface="Arial"/>
             </a:endParaRPr>
           </a:p>
         </p:txBody>
@@ -1827,7 +1827,7 @@
         <p:spPr>
           <a:xfrm>
             <a:off x="0" y="0"/>
-            <a:ext cx="30238200" cy="6237000"/>
+            <a:ext cx="30237840" cy="6236640"/>
           </a:xfrm>
           <a:prstGeom prst="rect">
             <a:avLst/>
@@ -1865,6 +1865,7 @@
                 <a:srgbClr val="000000"/>
               </a:solidFill>
               <a:latin typeface="Arial"/>
+              <a:ea typeface="DejaVu Sans"/>
             </a:endParaRPr>
           </a:p>
         </p:txBody>
@@ -1878,7 +1879,7 @@
         <p:spPr>
           <a:xfrm>
             <a:off x="0" y="6243480"/>
-            <a:ext cx="30238200" cy="196560"/>
+            <a:ext cx="30237840" cy="196200"/>
           </a:xfrm>
           <a:prstGeom prst="rect">
             <a:avLst/>
@@ -1913,6 +1914,7 @@
                 <a:srgbClr val="000000"/>
               </a:solidFill>
               <a:latin typeface="Arial"/>
+              <a:ea typeface="DejaVu Sans"/>
             </a:endParaRPr>
           </a:p>
         </p:txBody>
@@ -1926,7 +1928,7 @@
         <p:spPr>
           <a:xfrm>
             <a:off x="635040" y="6823080"/>
-            <a:ext cx="14274360" cy="34748280"/>
+            <a:ext cx="14274000" cy="34747920"/>
           </a:xfrm>
           <a:prstGeom prst="roundRect">
             <a:avLst>
@@ -1972,6 +1974,7 @@
                 <a:srgbClr val="000000"/>
               </a:solidFill>
               <a:latin typeface="Arial"/>
+              <a:ea typeface="DejaVu Sans"/>
             </a:endParaRPr>
           </a:p>
         </p:txBody>
@@ -1985,7 +1988,7 @@
         <p:spPr>
           <a:xfrm>
             <a:off x="15332040" y="6823080"/>
-            <a:ext cx="14274360" cy="34748280"/>
+            <a:ext cx="14274000" cy="34747920"/>
           </a:xfrm>
           <a:prstGeom prst="roundRect">
             <a:avLst>
@@ -2031,6 +2034,7 @@
                 <a:srgbClr val="000000"/>
               </a:solidFill>
               <a:latin typeface="Arial"/>
+              <a:ea typeface="DejaVu Sans"/>
             </a:endParaRPr>
           </a:p>
         </p:txBody>
@@ -2044,7 +2048,7 @@
         <p:spPr>
           <a:xfrm>
             <a:off x="1501920" y="41895720"/>
-            <a:ext cx="2903040" cy="314280"/>
+            <a:ext cx="2902680" cy="314280"/>
           </a:xfrm>
           <a:prstGeom prst="rect">
             <a:avLst/>
@@ -2079,6 +2083,7 @@
                   <a:srgbClr val="bfbfbf"/>
                 </a:solidFill>
                 <a:latin typeface="Arial"/>
+                <a:ea typeface="DejaVu Sans"/>
               </a:rPr>
               <a:t>RESEARCH POSTER PRESENTATION DESIGN © 2015</a:t>
             </a:r>
@@ -2104,838 +2109,11 @@
                   <a:srgbClr val="bfbfbf"/>
                 </a:solidFill>
                 <a:latin typeface="Arial"/>
+                <a:ea typeface="DejaVu Sans"/>
               </a:rPr>
               <a:t>www.PosterPresentations.com</a:t>
             </a:r>
             <a:endParaRPr b="0" lang="en-HK" sz="1010" spc="-1" strike="noStrike">
-              <a:solidFill>
-                <a:srgbClr val="000000"/>
-              </a:solidFill>
-              <a:latin typeface="Arial"/>
-            </a:endParaRPr>
-          </a:p>
-        </p:txBody>
-      </p:sp>
-      <p:sp>
-        <p:nvSpPr>
-          <p:cNvPr id="5" name="PlaceHolder 1"/>
-          <p:cNvSpPr>
-            <a:spLocks noGrp="1"/>
-          </p:cNvSpPr>
-          <p:nvPr>
-            <p:ph type="body"/>
-          </p:nvPr>
-        </p:nvSpPr>
-        <p:spPr>
-          <a:xfrm>
-            <a:off x="622800" y="7579440"/>
-            <a:ext cx="14281560" cy="25274160"/>
-          </a:xfrm>
-          <a:prstGeom prst="rect">
-            <a:avLst/>
-          </a:prstGeom>
-          <a:noFill/>
-          <a:ln w="0">
-            <a:noFill/>
-          </a:ln>
-        </p:spPr>
-        <p:txBody>
-          <a:bodyPr lIns="234720" rIns="234720" tIns="234720" bIns="234720" anchor="t">
-            <a:noAutofit/>
-          </a:bodyPr>
-          <a:p>
-            <a:pPr indent="0">
-              <a:lnSpc>
-                <a:spcPct val="100000"/>
-              </a:lnSpc>
-              <a:spcBef>
-                <a:spcPts val="516"/>
-              </a:spcBef>
-              <a:buNone/>
-              <a:tabLst>
-                <a:tab algn="l" pos="0"/>
-              </a:tabLst>
-            </a:pPr>
-            <a:r>
-              <a:rPr b="0" lang="zh-CN" sz="2590" spc="-1" strike="noStrike">
-                <a:solidFill>
-                  <a:schemeClr val="accent5">
-                    <a:lumMod val="50000"/>
-                  </a:schemeClr>
-                </a:solidFill>
-                <a:latin typeface="Times New Roman"/>
-              </a:rPr>
-              <a:t>编辑母版文本样式</a:t>
-            </a:r>
-            <a:endParaRPr b="0" lang="en-US" sz="2590" spc="-1" strike="noStrike">
-              <a:solidFill>
-                <a:srgbClr val="000000"/>
-              </a:solidFill>
-              <a:latin typeface="Calibri"/>
-            </a:endParaRPr>
-          </a:p>
-        </p:txBody>
-      </p:sp>
-      <p:sp>
-        <p:nvSpPr>
-          <p:cNvPr id="6" name="PlaceHolder 2"/>
-          <p:cNvSpPr>
-            <a:spLocks noGrp="1"/>
-          </p:cNvSpPr>
-          <p:nvPr>
-            <p:ph type="body"/>
-          </p:nvPr>
-        </p:nvSpPr>
-        <p:spPr>
-          <a:xfrm>
-            <a:off x="635400" y="-5255640"/>
-            <a:ext cx="14270400" cy="24992640"/>
-          </a:xfrm>
-          <a:prstGeom prst="rect">
-            <a:avLst/>
-          </a:prstGeom>
-          <a:noFill/>
-          <a:ln w="0">
-            <a:noFill/>
-          </a:ln>
-        </p:spPr>
-        <p:txBody>
-          <a:bodyPr lIns="93960" rIns="93960" tIns="93960" bIns="93960" anchor="ctr">
-            <a:noAutofit/>
-          </a:bodyPr>
-          <a:p>
-            <a:pPr indent="0" algn="ctr">
-              <a:lnSpc>
-                <a:spcPct val="100000"/>
-              </a:lnSpc>
-              <a:spcBef>
-                <a:spcPts val="757"/>
-              </a:spcBef>
-              <a:buNone/>
-              <a:tabLst>
-                <a:tab algn="l" pos="0"/>
-              </a:tabLst>
-            </a:pPr>
-            <a:r>
-              <a:rPr b="1" lang="zh-CN" sz="3780" spc="-1" strike="noStrike" u="sng">
-                <a:solidFill>
-                  <a:schemeClr val="accent5">
-                    <a:lumMod val="50000"/>
-                  </a:schemeClr>
-                </a:solidFill>
-                <a:uFillTx/>
-                <a:latin typeface="Calibri"/>
-              </a:rPr>
-              <a:t>编辑母版文本样式</a:t>
-            </a:r>
-            <a:endParaRPr b="0" lang="en-US" sz="3780" spc="-1" strike="noStrike">
-              <a:solidFill>
-                <a:srgbClr val="000000"/>
-              </a:solidFill>
-              <a:latin typeface="Calibri"/>
-            </a:endParaRPr>
-          </a:p>
-        </p:txBody>
-      </p:sp>
-      <p:sp>
-        <p:nvSpPr>
-          <p:cNvPr id="7" name="PlaceHolder 3"/>
-          <p:cNvSpPr>
-            <a:spLocks noGrp="1"/>
-          </p:cNvSpPr>
-          <p:nvPr>
-            <p:ph type="body"/>
-          </p:nvPr>
-        </p:nvSpPr>
-        <p:spPr>
-          <a:xfrm>
-            <a:off x="635400" y="6368040"/>
-            <a:ext cx="14273640" cy="24992640"/>
-          </a:xfrm>
-          <a:prstGeom prst="rect">
-            <a:avLst/>
-          </a:prstGeom>
-          <a:noFill/>
-          <a:ln w="0">
-            <a:noFill/>
-          </a:ln>
-        </p:spPr>
-        <p:txBody>
-          <a:bodyPr lIns="93960" rIns="93960" tIns="93960" bIns="93960" anchor="ctr">
-            <a:noAutofit/>
-          </a:bodyPr>
-          <a:p>
-            <a:pPr indent="0" algn="ctr">
-              <a:lnSpc>
-                <a:spcPct val="100000"/>
-              </a:lnSpc>
-              <a:spcBef>
-                <a:spcPts val="757"/>
-              </a:spcBef>
-              <a:buNone/>
-              <a:tabLst>
-                <a:tab algn="l" pos="0"/>
-              </a:tabLst>
-            </a:pPr>
-            <a:r>
-              <a:rPr b="1" lang="zh-CN" sz="3780" spc="-1" strike="noStrike" u="sng">
-                <a:solidFill>
-                  <a:schemeClr val="accent5">
-                    <a:lumMod val="50000"/>
-                  </a:schemeClr>
-                </a:solidFill>
-                <a:uFillTx/>
-                <a:latin typeface="Calibri"/>
-              </a:rPr>
-              <a:t>编辑母版文本样式</a:t>
-            </a:r>
-            <a:endParaRPr b="0" lang="en-US" sz="3780" spc="-1" strike="noStrike">
-              <a:solidFill>
-                <a:srgbClr val="000000"/>
-              </a:solidFill>
-              <a:latin typeface="Calibri"/>
-            </a:endParaRPr>
-          </a:p>
-        </p:txBody>
-      </p:sp>
-      <p:sp>
-        <p:nvSpPr>
-          <p:cNvPr id="8" name="PlaceHolder 4"/>
-          <p:cNvSpPr>
-            <a:spLocks noGrp="1"/>
-          </p:cNvSpPr>
-          <p:nvPr>
-            <p:ph type="body"/>
-          </p:nvPr>
-        </p:nvSpPr>
-        <p:spPr>
-          <a:xfrm>
-            <a:off x="15334920" y="-5255640"/>
-            <a:ext cx="14270040" cy="24992640"/>
-          </a:xfrm>
-          <a:prstGeom prst="rect">
-            <a:avLst/>
-          </a:prstGeom>
-          <a:noFill/>
-          <a:ln w="0">
-            <a:noFill/>
-          </a:ln>
-        </p:spPr>
-        <p:txBody>
-          <a:bodyPr lIns="93960" rIns="93960" tIns="93960" bIns="93960" anchor="ctr">
-            <a:noAutofit/>
-          </a:bodyPr>
-          <a:p>
-            <a:pPr indent="0" algn="ctr">
-              <a:lnSpc>
-                <a:spcPct val="100000"/>
-              </a:lnSpc>
-              <a:spcBef>
-                <a:spcPts val="757"/>
-              </a:spcBef>
-              <a:buNone/>
-              <a:tabLst>
-                <a:tab algn="l" pos="0"/>
-              </a:tabLst>
-            </a:pPr>
-            <a:r>
-              <a:rPr b="1" lang="zh-CN" sz="3780" spc="-1" strike="noStrike" u="sng">
-                <a:solidFill>
-                  <a:schemeClr val="accent5">
-                    <a:lumMod val="50000"/>
-                  </a:schemeClr>
-                </a:solidFill>
-                <a:uFillTx/>
-                <a:latin typeface="Calibri"/>
-              </a:rPr>
-              <a:t>编辑母版文本样式</a:t>
-            </a:r>
-            <a:endParaRPr b="0" lang="en-US" sz="3780" spc="-1" strike="noStrike">
-              <a:solidFill>
-                <a:srgbClr val="000000"/>
-              </a:solidFill>
-              <a:latin typeface="Calibri"/>
-            </a:endParaRPr>
-          </a:p>
-        </p:txBody>
-      </p:sp>
-      <p:sp>
-        <p:nvSpPr>
-          <p:cNvPr id="9" name="PlaceHolder 5"/>
-          <p:cNvSpPr>
-            <a:spLocks noGrp="1"/>
-          </p:cNvSpPr>
-          <p:nvPr>
-            <p:ph type="body"/>
-          </p:nvPr>
-        </p:nvSpPr>
-        <p:spPr>
-          <a:xfrm>
-            <a:off x="15334920" y="7579440"/>
-            <a:ext cx="14270040" cy="25274160"/>
-          </a:xfrm>
-          <a:prstGeom prst="rect">
-            <a:avLst/>
-          </a:prstGeom>
-          <a:noFill/>
-          <a:ln w="0">
-            <a:noFill/>
-          </a:ln>
-        </p:spPr>
-        <p:txBody>
-          <a:bodyPr lIns="234720" rIns="234720" tIns="234720" bIns="234720" anchor="t">
-            <a:noAutofit/>
-          </a:bodyPr>
-          <a:p>
-            <a:pPr indent="0">
-              <a:lnSpc>
-                <a:spcPct val="100000"/>
-              </a:lnSpc>
-              <a:spcBef>
-                <a:spcPts val="516"/>
-              </a:spcBef>
-              <a:buNone/>
-              <a:tabLst>
-                <a:tab algn="l" pos="0"/>
-              </a:tabLst>
-            </a:pPr>
-            <a:r>
-              <a:rPr b="0" lang="zh-CN" sz="2590" spc="-1" strike="noStrike">
-                <a:solidFill>
-                  <a:schemeClr val="accent5">
-                    <a:lumMod val="50000"/>
-                  </a:schemeClr>
-                </a:solidFill>
-                <a:latin typeface="Times New Roman"/>
-              </a:rPr>
-              <a:t>编辑母版文本样式</a:t>
-            </a:r>
-            <a:endParaRPr b="0" lang="en-US" sz="2590" spc="-1" strike="noStrike">
-              <a:solidFill>
-                <a:srgbClr val="000000"/>
-              </a:solidFill>
-              <a:latin typeface="Calibri"/>
-            </a:endParaRPr>
-          </a:p>
-        </p:txBody>
-      </p:sp>
-      <p:sp>
-        <p:nvSpPr>
-          <p:cNvPr id="10" name="PlaceHolder 6"/>
-          <p:cNvSpPr>
-            <a:spLocks noGrp="1"/>
-          </p:cNvSpPr>
-          <p:nvPr>
-            <p:ph type="body"/>
-          </p:nvPr>
-        </p:nvSpPr>
-        <p:spPr>
-          <a:xfrm>
-            <a:off x="15334920" y="6390720"/>
-            <a:ext cx="14266080" cy="24992640"/>
-          </a:xfrm>
-          <a:prstGeom prst="rect">
-            <a:avLst/>
-          </a:prstGeom>
-          <a:noFill/>
-          <a:ln w="0">
-            <a:noFill/>
-          </a:ln>
-        </p:spPr>
-        <p:txBody>
-          <a:bodyPr lIns="93960" rIns="93960" tIns="93960" bIns="93960" anchor="ctr">
-            <a:noAutofit/>
-          </a:bodyPr>
-          <a:p>
-            <a:pPr indent="0" algn="ctr">
-              <a:lnSpc>
-                <a:spcPct val="100000"/>
-              </a:lnSpc>
-              <a:spcBef>
-                <a:spcPts val="757"/>
-              </a:spcBef>
-              <a:buNone/>
-              <a:tabLst>
-                <a:tab algn="l" pos="0"/>
-              </a:tabLst>
-            </a:pPr>
-            <a:r>
-              <a:rPr b="1" lang="zh-CN" sz="3780" spc="-1" strike="noStrike" u="sng">
-                <a:solidFill>
-                  <a:schemeClr val="accent5">
-                    <a:lumMod val="50000"/>
-                  </a:schemeClr>
-                </a:solidFill>
-                <a:uFillTx/>
-                <a:latin typeface="Calibri"/>
-              </a:rPr>
-              <a:t>编辑母版文本样式</a:t>
-            </a:r>
-            <a:endParaRPr b="0" lang="en-US" sz="3780" spc="-1" strike="noStrike">
-              <a:solidFill>
-                <a:srgbClr val="000000"/>
-              </a:solidFill>
-              <a:latin typeface="Calibri"/>
-            </a:endParaRPr>
-          </a:p>
-        </p:txBody>
-      </p:sp>
-      <p:sp>
-        <p:nvSpPr>
-          <p:cNvPr id="11" name="PlaceHolder 7"/>
-          <p:cNvSpPr>
-            <a:spLocks noGrp="1"/>
-          </p:cNvSpPr>
-          <p:nvPr>
-            <p:ph type="body"/>
-          </p:nvPr>
-        </p:nvSpPr>
-        <p:spPr>
-          <a:xfrm>
-            <a:off x="15329520" y="19279800"/>
-            <a:ext cx="14271480" cy="25274160"/>
-          </a:xfrm>
-          <a:prstGeom prst="rect">
-            <a:avLst/>
-          </a:prstGeom>
-          <a:noFill/>
-          <a:ln w="0">
-            <a:noFill/>
-          </a:ln>
-        </p:spPr>
-        <p:txBody>
-          <a:bodyPr lIns="234720" rIns="234720" tIns="234720" bIns="234720" anchor="t">
-            <a:noAutofit/>
-          </a:bodyPr>
-          <a:p>
-            <a:pPr indent="0">
-              <a:lnSpc>
-                <a:spcPct val="100000"/>
-              </a:lnSpc>
-              <a:spcBef>
-                <a:spcPts val="516"/>
-              </a:spcBef>
-              <a:buNone/>
-              <a:tabLst>
-                <a:tab algn="l" pos="0"/>
-              </a:tabLst>
-            </a:pPr>
-            <a:r>
-              <a:rPr b="0" lang="zh-CN" sz="2590" spc="-1" strike="noStrike">
-                <a:solidFill>
-                  <a:schemeClr val="accent5">
-                    <a:lumMod val="50000"/>
-                  </a:schemeClr>
-                </a:solidFill>
-                <a:latin typeface="Times New Roman"/>
-              </a:rPr>
-              <a:t>编辑母版文本样式</a:t>
-            </a:r>
-            <a:endParaRPr b="0" lang="en-US" sz="2590" spc="-1" strike="noStrike">
-              <a:solidFill>
-                <a:srgbClr val="000000"/>
-              </a:solidFill>
-              <a:latin typeface="Calibri"/>
-            </a:endParaRPr>
-          </a:p>
-        </p:txBody>
-      </p:sp>
-      <p:sp>
-        <p:nvSpPr>
-          <p:cNvPr id="12" name="PlaceHolder 8"/>
-          <p:cNvSpPr>
-            <a:spLocks noGrp="1"/>
-          </p:cNvSpPr>
-          <p:nvPr>
-            <p:ph type="body"/>
-          </p:nvPr>
-        </p:nvSpPr>
-        <p:spPr>
-          <a:xfrm>
-            <a:off x="15345720" y="21265560"/>
-            <a:ext cx="14258880" cy="24992640"/>
-          </a:xfrm>
-          <a:prstGeom prst="rect">
-            <a:avLst/>
-          </a:prstGeom>
-          <a:noFill/>
-          <a:ln w="0">
-            <a:noFill/>
-          </a:ln>
-        </p:spPr>
-        <p:txBody>
-          <a:bodyPr lIns="93960" rIns="93960" tIns="93960" bIns="93960" anchor="ctr">
-            <a:noAutofit/>
-          </a:bodyPr>
-          <a:p>
-            <a:pPr indent="0" algn="ctr">
-              <a:lnSpc>
-                <a:spcPct val="100000"/>
-              </a:lnSpc>
-              <a:spcBef>
-                <a:spcPts val="757"/>
-              </a:spcBef>
-              <a:buNone/>
-              <a:tabLst>
-                <a:tab algn="l" pos="0"/>
-              </a:tabLst>
-            </a:pPr>
-            <a:r>
-              <a:rPr b="1" lang="zh-CN" sz="3780" spc="-1" strike="noStrike" u="sng">
-                <a:solidFill>
-                  <a:schemeClr val="accent5">
-                    <a:lumMod val="50000"/>
-                  </a:schemeClr>
-                </a:solidFill>
-                <a:uFillTx/>
-                <a:latin typeface="Calibri"/>
-              </a:rPr>
-              <a:t>编辑母版文本样式</a:t>
-            </a:r>
-            <a:endParaRPr b="0" lang="en-US" sz="3780" spc="-1" strike="noStrike">
-              <a:solidFill>
-                <a:srgbClr val="000000"/>
-              </a:solidFill>
-              <a:latin typeface="Calibri"/>
-            </a:endParaRPr>
-          </a:p>
-        </p:txBody>
-      </p:sp>
-      <p:sp>
-        <p:nvSpPr>
-          <p:cNvPr id="13" name="PlaceHolder 9"/>
-          <p:cNvSpPr>
-            <a:spLocks noGrp="1"/>
-          </p:cNvSpPr>
-          <p:nvPr>
-            <p:ph type="body"/>
-          </p:nvPr>
-        </p:nvSpPr>
-        <p:spPr>
-          <a:xfrm>
-            <a:off x="15334920" y="34175160"/>
-            <a:ext cx="14266080" cy="25274160"/>
-          </a:xfrm>
-          <a:prstGeom prst="rect">
-            <a:avLst/>
-          </a:prstGeom>
-          <a:noFill/>
-          <a:ln w="0">
-            <a:noFill/>
-          </a:ln>
-        </p:spPr>
-        <p:txBody>
-          <a:bodyPr lIns="234720" rIns="234720" tIns="234720" bIns="234720" anchor="t">
-            <a:noAutofit/>
-          </a:bodyPr>
-          <a:p>
-            <a:pPr indent="0">
-              <a:lnSpc>
-                <a:spcPct val="100000"/>
-              </a:lnSpc>
-              <a:spcBef>
-                <a:spcPts val="516"/>
-              </a:spcBef>
-              <a:buNone/>
-              <a:tabLst>
-                <a:tab algn="l" pos="0"/>
-              </a:tabLst>
-            </a:pPr>
-            <a:r>
-              <a:rPr b="0" lang="zh-CN" sz="2590" spc="-1" strike="noStrike">
-                <a:solidFill>
-                  <a:schemeClr val="accent5">
-                    <a:lumMod val="50000"/>
-                  </a:schemeClr>
-                </a:solidFill>
-                <a:latin typeface="Times New Roman"/>
-              </a:rPr>
-              <a:t>编辑母版文本样式</a:t>
-            </a:r>
-            <a:endParaRPr b="0" lang="en-US" sz="2590" spc="-1" strike="noStrike">
-              <a:solidFill>
-                <a:srgbClr val="000000"/>
-              </a:solidFill>
-              <a:latin typeface="Calibri"/>
-            </a:endParaRPr>
-          </a:p>
-        </p:txBody>
-      </p:sp>
-      <p:sp>
-        <p:nvSpPr>
-          <p:cNvPr id="14" name="PlaceHolder 10"/>
-          <p:cNvSpPr>
-            <a:spLocks noGrp="1"/>
-          </p:cNvSpPr>
-          <p:nvPr>
-            <p:ph type="body"/>
-          </p:nvPr>
-        </p:nvSpPr>
-        <p:spPr>
-          <a:xfrm>
-            <a:off x="622800" y="19259280"/>
-            <a:ext cx="14282640" cy="25274160"/>
-          </a:xfrm>
-          <a:prstGeom prst="rect">
-            <a:avLst/>
-          </a:prstGeom>
-          <a:noFill/>
-          <a:ln w="0">
-            <a:noFill/>
-          </a:ln>
-        </p:spPr>
-        <p:txBody>
-          <a:bodyPr lIns="234720" rIns="234720" tIns="234720" bIns="234720" anchor="t">
-            <a:noAutofit/>
-          </a:bodyPr>
-          <a:p>
-            <a:pPr indent="0">
-              <a:lnSpc>
-                <a:spcPct val="100000"/>
-              </a:lnSpc>
-              <a:spcBef>
-                <a:spcPts val="516"/>
-              </a:spcBef>
-              <a:buNone/>
-              <a:tabLst>
-                <a:tab algn="l" pos="0"/>
-              </a:tabLst>
-            </a:pPr>
-            <a:r>
-              <a:rPr b="0" lang="zh-CN" sz="2590" spc="-1" strike="noStrike">
-                <a:solidFill>
-                  <a:schemeClr val="accent5">
-                    <a:lumMod val="50000"/>
-                  </a:schemeClr>
-                </a:solidFill>
-                <a:latin typeface="Times New Roman"/>
-              </a:rPr>
-              <a:t>编辑母版文本样式</a:t>
-            </a:r>
-            <a:endParaRPr b="0" lang="en-US" sz="2590" spc="-1" strike="noStrike">
-              <a:solidFill>
-                <a:srgbClr val="000000"/>
-              </a:solidFill>
-              <a:latin typeface="Calibri"/>
-            </a:endParaRPr>
-          </a:p>
-        </p:txBody>
-      </p:sp>
-      <p:sp>
-        <p:nvSpPr>
-          <p:cNvPr id="15" name="PlaceHolder 11"/>
-          <p:cNvSpPr>
-            <a:spLocks noGrp="1"/>
-          </p:cNvSpPr>
-          <p:nvPr>
-            <p:ph type="body"/>
-          </p:nvPr>
-        </p:nvSpPr>
-        <p:spPr>
-          <a:xfrm>
-            <a:off x="4107240" y="4856760"/>
-            <a:ext cx="22023720" cy="1247040"/>
-          </a:xfrm>
-          <a:prstGeom prst="rect">
-            <a:avLst/>
-          </a:prstGeom>
-          <a:noFill/>
-          <a:ln w="0">
-            <a:noFill/>
-          </a:ln>
-        </p:spPr>
-        <p:txBody>
-          <a:bodyPr lIns="90000" rIns="90000" tIns="45000" bIns="45000" anchor="t">
-            <a:normAutofit/>
-          </a:bodyPr>
-          <a:p>
-            <a:pPr indent="0" algn="ctr">
-              <a:lnSpc>
-                <a:spcPct val="100000"/>
-              </a:lnSpc>
-              <a:spcBef>
-                <a:spcPts val="1219"/>
-              </a:spcBef>
-              <a:buNone/>
-              <a:tabLst>
-                <a:tab algn="l" pos="0"/>
-              </a:tabLst>
-            </a:pPr>
-            <a:r>
-              <a:rPr b="0" lang="zh-CN" sz="6090" spc="-1" strike="noStrike">
-                <a:solidFill>
-                  <a:srgbClr val="ffffff"/>
-                </a:solidFill>
-                <a:latin typeface="Calibri"/>
-              </a:rPr>
-              <a:t>编辑母版文本样式</a:t>
-            </a:r>
-            <a:endParaRPr b="0" lang="en-US" sz="6090" spc="-1" strike="noStrike">
-              <a:solidFill>
-                <a:srgbClr val="000000"/>
-              </a:solidFill>
-              <a:latin typeface="Calibri"/>
-            </a:endParaRPr>
-          </a:p>
-        </p:txBody>
-      </p:sp>
-      <p:sp>
-        <p:nvSpPr>
-          <p:cNvPr id="16" name="PlaceHolder 12"/>
-          <p:cNvSpPr>
-            <a:spLocks noGrp="1"/>
-          </p:cNvSpPr>
-          <p:nvPr>
-            <p:ph type="body"/>
-          </p:nvPr>
-        </p:nvSpPr>
-        <p:spPr>
-          <a:xfrm>
-            <a:off x="4107240" y="2885400"/>
-            <a:ext cx="22023720" cy="1866240"/>
-          </a:xfrm>
-          <a:prstGeom prst="rect">
-            <a:avLst/>
-          </a:prstGeom>
-          <a:noFill/>
-          <a:ln w="0">
-            <a:noFill/>
-          </a:ln>
-        </p:spPr>
-        <p:txBody>
-          <a:bodyPr lIns="90000" rIns="90000" tIns="45000" bIns="45000" anchor="t" anchorCtr="1">
-            <a:normAutofit/>
-          </a:bodyPr>
-          <a:p>
-            <a:pPr indent="0" algn="ctr">
-              <a:lnSpc>
-                <a:spcPct val="100000"/>
-              </a:lnSpc>
-              <a:spcBef>
-                <a:spcPts val="1772"/>
-              </a:spcBef>
-              <a:buNone/>
-              <a:tabLst>
-                <a:tab algn="l" pos="0"/>
-              </a:tabLst>
-            </a:pPr>
-            <a:r>
-              <a:rPr b="0" lang="zh-CN" sz="8870" spc="-1" strike="noStrike">
-                <a:solidFill>
-                  <a:srgbClr val="ffffff"/>
-                </a:solidFill>
-                <a:latin typeface="Calibri"/>
-              </a:rPr>
-              <a:t>编辑母版文本样式</a:t>
-            </a:r>
-            <a:endParaRPr b="0" lang="en-US" sz="8870" spc="-1" strike="noStrike">
-              <a:solidFill>
-                <a:srgbClr val="000000"/>
-              </a:solidFill>
-              <a:latin typeface="Calibri"/>
-            </a:endParaRPr>
-          </a:p>
-        </p:txBody>
-      </p:sp>
-      <p:sp>
-        <p:nvSpPr>
-          <p:cNvPr id="17" name="PlaceHolder 13"/>
-          <p:cNvSpPr>
-            <a:spLocks noGrp="1"/>
-          </p:cNvSpPr>
-          <p:nvPr>
-            <p:ph type="body"/>
-          </p:nvPr>
-        </p:nvSpPr>
-        <p:spPr>
-          <a:xfrm>
-            <a:off x="4107240" y="565200"/>
-            <a:ext cx="22023720" cy="2319480"/>
-          </a:xfrm>
-          <a:prstGeom prst="rect">
-            <a:avLst/>
-          </a:prstGeom>
-          <a:noFill/>
-          <a:ln w="0">
-            <a:noFill/>
-          </a:ln>
-        </p:spPr>
-        <p:txBody>
-          <a:bodyPr lIns="90000" rIns="90000" tIns="45000" bIns="45000" anchor="t" anchorCtr="1">
-            <a:normAutofit/>
-          </a:bodyPr>
-          <a:p>
-            <a:pPr indent="0" algn="ctr">
-              <a:lnSpc>
-                <a:spcPct val="100000"/>
-              </a:lnSpc>
-              <a:spcBef>
-                <a:spcPts val="2548"/>
-              </a:spcBef>
-              <a:buNone/>
-              <a:tabLst>
-                <a:tab algn="l" pos="0"/>
-              </a:tabLst>
-            </a:pPr>
-            <a:r>
-              <a:rPr b="1" lang="zh-CN" sz="12740" spc="-1" strike="noStrike">
-                <a:solidFill>
-                  <a:srgbClr val="ffffff"/>
-                </a:solidFill>
-                <a:latin typeface="Calibri"/>
-              </a:rPr>
-              <a:t>编辑母版文本样式</a:t>
-            </a:r>
-            <a:endParaRPr b="0" lang="en-US" sz="12740" spc="-1" strike="noStrike">
-              <a:solidFill>
-                <a:srgbClr val="000000"/>
-              </a:solidFill>
-              <a:latin typeface="Calibri"/>
-            </a:endParaRPr>
-          </a:p>
-        </p:txBody>
-      </p:sp>
-      <p:sp>
-        <p:nvSpPr>
-          <p:cNvPr id="18" name="PlaceHolder 14"/>
-          <p:cNvSpPr>
-            <a:spLocks noGrp="1"/>
-          </p:cNvSpPr>
-          <p:nvPr>
-            <p:ph type="title"/>
-          </p:nvPr>
-        </p:nvSpPr>
-        <p:spPr>
-          <a:xfrm>
-            <a:off x="1511640" y="1706400"/>
-            <a:ext cx="27214200" cy="7141680"/>
-          </a:xfrm>
-          <a:prstGeom prst="rect">
-            <a:avLst/>
-          </a:prstGeom>
-          <a:noFill/>
-          <a:ln w="0">
-            <a:noFill/>
-          </a:ln>
-        </p:spPr>
-        <p:txBody>
-          <a:bodyPr lIns="0" rIns="0" tIns="0" bIns="0" anchor="ctr">
-            <a:noAutofit/>
-          </a:bodyPr>
-          <a:p>
-            <a:pPr indent="0">
-              <a:buNone/>
-            </a:pPr>
-            <a:r>
-              <a:rPr b="0" lang="en-US" sz="8400" spc="-1" strike="noStrike">
-                <a:solidFill>
-                  <a:srgbClr val="000000"/>
-                </a:solidFill>
-                <a:latin typeface="Arial"/>
-              </a:rPr>
-              <a:t>Click to edit the title text format</a:t>
-            </a:r>
-            <a:endParaRPr b="0" lang="en-US" sz="8400" spc="-1" strike="noStrike">
               <a:solidFill>
                 <a:srgbClr val="000000"/>
               </a:solidFill>
@@ -2998,7 +2176,7 @@
       </p:grpSpPr>
       <p:pic>
         <p:nvPicPr>
-          <p:cNvPr id="55" name="图片 31" descr="卡通人物&#10;&#10;低可信度描述已自动生成"/>
+          <p:cNvPr id="41" name="图片 31" descr="卡通人物&#10;&#10;低可信度描述已自动生成"/>
           <p:cNvPicPr/>
           <p:nvPr/>
         </p:nvPicPr>
@@ -3022,7 +2200,7 @@
         <p:spPr>
           <a:xfrm>
             <a:off x="0" y="6267600"/>
-            <a:ext cx="30238200" cy="36470880"/>
+            <a:ext cx="30237840" cy="36470520"/>
           </a:xfrm>
           <a:prstGeom prst="rect">
             <a:avLst/>
@@ -3034,7 +2212,7 @@
       </p:pic>
       <p:sp>
         <p:nvSpPr>
-          <p:cNvPr id="56" name="PlaceHolder 1"/>
+          <p:cNvPr id="42" name="PlaceHolder 1"/>
           <p:cNvSpPr>
             <a:spLocks noGrp="1"/>
           </p:cNvSpPr>
@@ -3045,7 +2223,7 @@
         <p:spPr>
           <a:xfrm>
             <a:off x="717480" y="7431120"/>
-            <a:ext cx="14271120" cy="1112400"/>
+            <a:ext cx="14270760" cy="1112040"/>
           </a:xfrm>
           <a:prstGeom prst="rect">
             <a:avLst/>
@@ -3084,18 +2262,18 @@
               </a:rPr>
               <a:t>Aim</a:t>
             </a:r>
-            <a:endParaRPr b="0" lang="en-US" sz="6000" spc="-1" strike="noStrike">
-              <a:solidFill>
-                <a:srgbClr val="000000"/>
-              </a:solidFill>
-              <a:latin typeface="Calibri"/>
+            <a:endParaRPr b="0" lang="en-HK" sz="6000" spc="-1" strike="noStrike">
+              <a:solidFill>
+                <a:srgbClr val="000000"/>
+              </a:solidFill>
+              <a:latin typeface="Arial"/>
             </a:endParaRPr>
           </a:p>
         </p:txBody>
       </p:sp>
       <p:sp>
         <p:nvSpPr>
-          <p:cNvPr id="57" name="PlaceHolder 2"/>
+          <p:cNvPr id="43" name="PlaceHolder 2"/>
           <p:cNvSpPr>
             <a:spLocks noGrp="1"/>
           </p:cNvSpPr>
@@ -3106,7 +2284,7 @@
         <p:spPr>
           <a:xfrm>
             <a:off x="796680" y="11667600"/>
-            <a:ext cx="14274360" cy="1114200"/>
+            <a:ext cx="14274000" cy="1113840"/>
           </a:xfrm>
           <a:prstGeom prst="rect">
             <a:avLst/>
@@ -3145,18 +2323,18 @@
               </a:rPr>
               <a:t>Objective</a:t>
             </a:r>
-            <a:endParaRPr b="0" lang="en-US" sz="6000" spc="-1" strike="noStrike">
-              <a:solidFill>
-                <a:srgbClr val="000000"/>
-              </a:solidFill>
-              <a:latin typeface="Calibri"/>
+            <a:endParaRPr b="0" lang="en-HK" sz="6000" spc="-1" strike="noStrike">
+              <a:solidFill>
+                <a:srgbClr val="000000"/>
+              </a:solidFill>
+              <a:latin typeface="Arial"/>
             </a:endParaRPr>
           </a:p>
         </p:txBody>
       </p:sp>
       <p:sp>
         <p:nvSpPr>
-          <p:cNvPr id="58" name="PlaceHolder 3"/>
+          <p:cNvPr id="44" name="PlaceHolder 3"/>
           <p:cNvSpPr>
             <a:spLocks noGrp="1"/>
           </p:cNvSpPr>
@@ -3167,7 +2345,7 @@
         <p:spPr>
           <a:xfrm>
             <a:off x="15406560" y="7770960"/>
-            <a:ext cx="14266440" cy="1112400"/>
+            <a:ext cx="14266080" cy="1112040"/>
           </a:xfrm>
           <a:prstGeom prst="rect">
             <a:avLst/>
@@ -3206,18 +2384,18 @@
               </a:rPr>
               <a:t>Application</a:t>
             </a:r>
-            <a:endParaRPr b="0" lang="en-US" sz="6000" spc="-1" strike="noStrike">
-              <a:solidFill>
-                <a:srgbClr val="000000"/>
-              </a:solidFill>
-              <a:latin typeface="Calibri"/>
+            <a:endParaRPr b="0" lang="en-HK" sz="6000" spc="-1" strike="noStrike">
+              <a:solidFill>
+                <a:srgbClr val="000000"/>
+              </a:solidFill>
+              <a:latin typeface="Arial"/>
             </a:endParaRPr>
           </a:p>
         </p:txBody>
       </p:sp>
       <p:sp>
         <p:nvSpPr>
-          <p:cNvPr id="59" name="PlaceHolder 4"/>
+          <p:cNvPr id="45" name="PlaceHolder 4"/>
           <p:cNvSpPr>
             <a:spLocks noGrp="1"/>
           </p:cNvSpPr>
@@ -3228,7 +2406,7 @@
         <p:spPr>
           <a:xfrm>
             <a:off x="15485760" y="27443160"/>
-            <a:ext cx="14258520" cy="1110960"/>
+            <a:ext cx="14258160" cy="1110600"/>
           </a:xfrm>
           <a:prstGeom prst="rect">
             <a:avLst/>
@@ -3267,18 +2445,18 @@
               </a:rPr>
               <a:t>Conclusion</a:t>
             </a:r>
-            <a:endParaRPr b="0" lang="en-US" sz="6000" spc="-1" strike="noStrike">
-              <a:solidFill>
-                <a:srgbClr val="000000"/>
-              </a:solidFill>
-              <a:latin typeface="Calibri"/>
+            <a:endParaRPr b="0" lang="en-HK" sz="6000" spc="-1" strike="noStrike">
+              <a:solidFill>
+                <a:srgbClr val="000000"/>
+              </a:solidFill>
+              <a:latin typeface="Arial"/>
             </a:endParaRPr>
           </a:p>
         </p:txBody>
       </p:sp>
       <p:sp>
         <p:nvSpPr>
-          <p:cNvPr id="60" name="PlaceHolder 5"/>
+          <p:cNvPr id="46" name="PlaceHolder 5"/>
           <p:cNvSpPr>
             <a:spLocks noGrp="1"/>
           </p:cNvSpPr>
@@ -3289,7 +2467,7 @@
         <p:spPr>
           <a:xfrm>
             <a:off x="3228480" y="5220000"/>
-            <a:ext cx="22151520" cy="1445760"/>
+            <a:ext cx="22151160" cy="1445400"/>
           </a:xfrm>
           <a:prstGeom prst="rect">
             <a:avLst/>
@@ -3325,18 +2503,18 @@
               </a:rPr>
               <a:t>Au Ka Long</a:t>
             </a:r>
-            <a:endParaRPr b="0" lang="en-US" sz="6300" spc="-1" strike="noStrike">
-              <a:solidFill>
-                <a:srgbClr val="000000"/>
-              </a:solidFill>
-              <a:latin typeface="Calibri"/>
+            <a:endParaRPr b="0" lang="en-HK" sz="6300" spc="-1" strike="noStrike">
+              <a:solidFill>
+                <a:srgbClr val="000000"/>
+              </a:solidFill>
+              <a:latin typeface="Arial"/>
             </a:endParaRPr>
           </a:p>
         </p:txBody>
       </p:sp>
       <p:sp>
         <p:nvSpPr>
-          <p:cNvPr id="61" name="PlaceHolder 6"/>
+          <p:cNvPr id="47" name="PlaceHolder 6"/>
           <p:cNvSpPr>
             <a:spLocks noGrp="1"/>
           </p:cNvSpPr>
@@ -3347,7 +2525,7 @@
         <p:spPr>
           <a:xfrm>
             <a:off x="2769840" y="2359080"/>
-            <a:ext cx="24345720" cy="1387080"/>
+            <a:ext cx="24345360" cy="1386720"/>
           </a:xfrm>
           <a:prstGeom prst="rect">
             <a:avLst/>
@@ -3384,27 +2562,27 @@
                 </a:solidFill>
                 <a:latin typeface="Calibri"/>
               </a:rPr>
-              <a:t>AIoT Bedroom</a:t>
-            </a:r>
-            <a:endParaRPr b="0" lang="en-US" sz="12740" spc="-1" strike="noStrike">
-              <a:solidFill>
-                <a:srgbClr val="000000"/>
-              </a:solidFill>
-              <a:latin typeface="Calibri"/>
+              <a:t>AIoT&amp;IR camera Bedroom System</a:t>
+            </a:r>
+            <a:endParaRPr b="1" lang="en-HK" sz="12740" spc="-1" strike="noStrike">
+              <a:solidFill>
+                <a:srgbClr val="000000"/>
+              </a:solidFill>
+              <a:latin typeface="Arial"/>
             </a:endParaRPr>
           </a:p>
         </p:txBody>
       </p:sp>
       <p:sp>
         <p:nvSpPr>
-          <p:cNvPr id="62" name="Rectangle 4"/>
+          <p:cNvPr id="48" name="Rectangle 4"/>
           <p:cNvSpPr/>
           <p:nvPr/>
         </p:nvSpPr>
         <p:spPr>
           <a:xfrm>
             <a:off x="592200" y="21078720"/>
-            <a:ext cx="28452240" cy="11734560"/>
+            <a:ext cx="28451880" cy="11734200"/>
           </a:xfrm>
           <a:prstGeom prst="rect">
             <a:avLst/>
@@ -3438,20 +2616,21 @@
                 <a:srgbClr val="3333ff"/>
               </a:solidFill>
               <a:latin typeface="Arial"/>
+              <a:ea typeface="DejaVu Sans"/>
             </a:endParaRPr>
           </a:p>
         </p:txBody>
       </p:sp>
       <p:sp>
         <p:nvSpPr>
-          <p:cNvPr id="63" name="Rectangle 6"/>
+          <p:cNvPr id="49" name="Rectangle 6"/>
           <p:cNvSpPr/>
           <p:nvPr/>
         </p:nvSpPr>
         <p:spPr>
           <a:xfrm>
             <a:off x="0" y="0"/>
-            <a:ext cx="30238200" cy="360"/>
+            <a:ext cx="30237840" cy="360"/>
           </a:xfrm>
           <a:prstGeom prst="rect">
             <a:avLst/>
@@ -3482,20 +2661,21 @@
                 <a:srgbClr val="000000"/>
               </a:solidFill>
               <a:latin typeface="Arial"/>
+              <a:ea typeface="DejaVu Sans"/>
             </a:endParaRPr>
           </a:p>
         </p:txBody>
       </p:sp>
       <p:sp>
         <p:nvSpPr>
-          <p:cNvPr id="64" name="Rectangle 8"/>
+          <p:cNvPr id="50" name="Rectangle 8"/>
           <p:cNvSpPr/>
           <p:nvPr/>
         </p:nvSpPr>
         <p:spPr>
           <a:xfrm>
             <a:off x="0" y="18559440"/>
-            <a:ext cx="30238200" cy="360"/>
+            <a:ext cx="30237840" cy="360"/>
           </a:xfrm>
           <a:prstGeom prst="rect">
             <a:avLst/>
@@ -3526,20 +2706,21 @@
                 <a:srgbClr val="000000"/>
               </a:solidFill>
               <a:latin typeface="Arial"/>
+              <a:ea typeface="DejaVu Sans"/>
             </a:endParaRPr>
           </a:p>
         </p:txBody>
       </p:sp>
       <p:sp>
         <p:nvSpPr>
-          <p:cNvPr id="65" name="Rectangle 36"/>
+          <p:cNvPr id="51" name="Rectangle 36"/>
           <p:cNvSpPr/>
           <p:nvPr/>
         </p:nvSpPr>
         <p:spPr>
           <a:xfrm>
             <a:off x="592200" y="19168920"/>
-            <a:ext cx="30238200" cy="360"/>
+            <a:ext cx="30237840" cy="360"/>
           </a:xfrm>
           <a:prstGeom prst="rect">
             <a:avLst/>
@@ -3570,20 +2751,21 @@
                 <a:srgbClr val="000000"/>
               </a:solidFill>
               <a:latin typeface="Arial"/>
+              <a:ea typeface="DejaVu Sans"/>
             </a:endParaRPr>
           </a:p>
         </p:txBody>
       </p:sp>
       <p:sp>
         <p:nvSpPr>
-          <p:cNvPr id="66" name="文本占位符 2"/>
+          <p:cNvPr id="52" name="文本占位符 2"/>
           <p:cNvSpPr/>
           <p:nvPr/>
         </p:nvSpPr>
         <p:spPr>
           <a:xfrm>
             <a:off x="822600" y="26829360"/>
-            <a:ext cx="14274360" cy="1101600"/>
+            <a:ext cx="14274000" cy="1101600"/>
           </a:xfrm>
           <a:prstGeom prst="rect">
             <a:avLst/>
@@ -3619,6 +2801,7 @@
                 </a:solidFill>
                 <a:uFillTx/>
                 <a:latin typeface="Calibri"/>
+                <a:ea typeface="DejaVu Sans"/>
               </a:rPr>
               <a:t>Methodology</a:t>
             </a:r>
@@ -3633,14 +2816,14 @@
       </p:sp>
       <p:sp>
         <p:nvSpPr>
-          <p:cNvPr id="67" name="文本占位符 12"/>
+          <p:cNvPr id="53" name="文本占位符 12"/>
           <p:cNvSpPr/>
           <p:nvPr/>
         </p:nvSpPr>
         <p:spPr>
           <a:xfrm>
             <a:off x="-673200" y="2173320"/>
-            <a:ext cx="32016240" cy="1828440"/>
+            <a:ext cx="32015880" cy="1828080"/>
           </a:xfrm>
           <a:prstGeom prst="rect">
             <a:avLst/>
@@ -3674,20 +2857,21 @@
                 <a:srgbClr val="000000"/>
               </a:solidFill>
               <a:latin typeface="Arial"/>
+              <a:ea typeface="DejaVu Sans"/>
             </a:endParaRPr>
           </a:p>
         </p:txBody>
       </p:sp>
       <p:sp>
         <p:nvSpPr>
-          <p:cNvPr id="68" name="文本占位符 18"/>
+          <p:cNvPr id="54" name="文本占位符 18"/>
           <p:cNvSpPr/>
           <p:nvPr/>
         </p:nvSpPr>
         <p:spPr>
           <a:xfrm>
             <a:off x="23760000" y="5256000"/>
-            <a:ext cx="5873400" cy="1337760"/>
+            <a:ext cx="5873040" cy="1337760"/>
           </a:xfrm>
           <a:prstGeom prst="rect">
             <a:avLst/>
@@ -3725,12 +2909,13 @@
                   <a:srgbClr val="ffffa6"/>
                 </a:solidFill>
                 <a:latin typeface="Times New Roman"/>
+                <a:ea typeface="DejaVu Sans"/>
               </a:rPr>
               <a:t>YouTube Link</a:t>
             </a:r>
             <a:endParaRPr b="0" lang="en-HK" sz="5700" spc="-1" strike="noStrike">
               <a:solidFill>
-                <a:srgbClr val="ffffa6"/>
+                <a:srgbClr val="000000"/>
               </a:solidFill>
               <a:latin typeface="Arial"/>
             </a:endParaRPr>
@@ -3739,14 +2924,14 @@
       </p:sp>
       <p:sp>
         <p:nvSpPr>
-          <p:cNvPr id="69" name="文本占位符 18"/>
+          <p:cNvPr id="55" name="文本占位符 18"/>
           <p:cNvSpPr/>
           <p:nvPr/>
         </p:nvSpPr>
         <p:spPr>
           <a:xfrm>
             <a:off x="1569600" y="5256000"/>
-            <a:ext cx="5343120" cy="1337760"/>
+            <a:ext cx="5342760" cy="1337760"/>
           </a:xfrm>
           <a:prstGeom prst="rect">
             <a:avLst/>
@@ -3784,12 +2969,13 @@
                   <a:srgbClr val="ffffa6"/>
                 </a:solidFill>
                 <a:latin typeface="Times New Roman"/>
+                <a:ea typeface="DejaVu Sans"/>
               </a:rPr>
               <a:t>GitHub Link</a:t>
             </a:r>
             <a:endParaRPr b="0" lang="en-HK" sz="5700" spc="-1" strike="noStrike">
               <a:solidFill>
-                <a:srgbClr val="ffffa6"/>
+                <a:srgbClr val="000000"/>
               </a:solidFill>
               <a:latin typeface="Arial"/>
             </a:endParaRPr>
@@ -3798,7 +2984,7 @@
       </p:sp>
       <p:pic>
         <p:nvPicPr>
-          <p:cNvPr id="70" name="Picture 2" descr=""/>
+          <p:cNvPr id="56" name="Picture 2" descr=""/>
           <p:cNvPicPr/>
           <p:nvPr/>
         </p:nvPicPr>
@@ -3809,7 +2995,7 @@
         <p:spPr>
           <a:xfrm>
             <a:off x="1211040" y="360000"/>
-            <a:ext cx="5268960" cy="5268960"/>
+            <a:ext cx="5268600" cy="5268600"/>
           </a:xfrm>
           <a:prstGeom prst="rect">
             <a:avLst/>
@@ -3821,14 +3007,14 @@
       </p:pic>
       <p:sp>
         <p:nvSpPr>
-          <p:cNvPr id="71" name="文本框 21"/>
+          <p:cNvPr id="57" name="文本框 21"/>
           <p:cNvSpPr/>
           <p:nvPr/>
         </p:nvSpPr>
         <p:spPr>
           <a:xfrm>
             <a:off x="4603680" y="10780560"/>
-            <a:ext cx="184320" cy="522720"/>
+            <a:ext cx="183960" cy="522360"/>
           </a:xfrm>
           <a:prstGeom prst="rect">
             <a:avLst/>
@@ -3854,18 +3040,19 @@
                 <a:spcPct val="100000"/>
               </a:lnSpc>
             </a:pPr>
-            <a:endParaRPr b="0" sz="2800" spc="-1" strike="noStrike">
+            <a:endParaRPr b="0" lang="en-HK" sz="2800" spc="-1" strike="noStrike">
               <a:solidFill>
                 <a:srgbClr val="000000"/>
               </a:solidFill>
               <a:latin typeface="Times New Roman"/>
+              <a:ea typeface="DejaVu Sans"/>
             </a:endParaRPr>
           </a:p>
         </p:txBody>
       </p:sp>
       <p:pic>
         <p:nvPicPr>
-          <p:cNvPr id="72" name="图片 27" descr="卡通人物&#10;&#10;中度可信度描述已自动生成"/>
+          <p:cNvPr id="58" name="图片 27" descr="卡通人物&#10;&#10;中度可信度描述已自动生成"/>
           <p:cNvPicPr/>
           <p:nvPr/>
         </p:nvPicPr>
@@ -3876,7 +3063,7 @@
         <p:spPr>
           <a:xfrm>
             <a:off x="1036800" y="8213040"/>
-            <a:ext cx="2844360" cy="2844360"/>
+            <a:ext cx="2844000" cy="2844000"/>
           </a:xfrm>
           <a:prstGeom prst="rect">
             <a:avLst/>
@@ -3888,14 +3075,14 @@
       </p:pic>
       <p:sp>
         <p:nvSpPr>
-          <p:cNvPr id="73" name="文本占位符 9"/>
+          <p:cNvPr id="59" name="文本占位符 9"/>
           <p:cNvSpPr/>
           <p:nvPr/>
         </p:nvSpPr>
         <p:spPr>
           <a:xfrm>
             <a:off x="3053520" y="12700440"/>
-            <a:ext cx="11882880" cy="3364560"/>
+            <a:ext cx="11882520" cy="3364560"/>
           </a:xfrm>
           <a:prstGeom prst="rect">
             <a:avLst/>
@@ -3935,6 +3122,7 @@
                   <a:srgbClr val="2c3f71"/>
                 </a:solidFill>
                 <a:latin typeface="Times New Roman"/>
+                <a:ea typeface="DejaVu Sans"/>
               </a:rPr>
               <a:t>Cozy</a:t>
             </a:r>
@@ -3944,6 +3132,7 @@
                   <a:srgbClr val="2c3f71"/>
                 </a:solidFill>
                 <a:latin typeface="Times New Roman"/>
+                <a:ea typeface="DejaVu Sans"/>
               </a:rPr>
               <a:t> bedroom</a:t>
             </a:r>
@@ -3974,6 +3163,7 @@
                   <a:srgbClr val="2c3f71"/>
                 </a:solidFill>
                 <a:latin typeface="Times New Roman"/>
+                <a:ea typeface="DejaVu Sans"/>
               </a:rPr>
               <a:t>Wipe out the threads </a:t>
             </a:r>
@@ -3983,6 +3173,7 @@
                   <a:srgbClr val="2c3f71"/>
                 </a:solidFill>
                 <a:latin typeface="Times New Roman"/>
+                <a:ea typeface="DejaVu Sans"/>
               </a:rPr>
               <a:t>for Elderly</a:t>
             </a:r>
@@ -4013,6 +3204,7 @@
                   <a:srgbClr val="2c3f71"/>
                 </a:solidFill>
                 <a:latin typeface="Times New Roman"/>
+                <a:ea typeface="DejaVu Sans"/>
               </a:rPr>
               <a:t>Reduce </a:t>
             </a:r>
@@ -4022,6 +3214,7 @@
                   <a:srgbClr val="2c3f71"/>
                 </a:solidFill>
                 <a:latin typeface="Times New Roman"/>
+                <a:ea typeface="DejaVu Sans"/>
               </a:rPr>
               <a:t>labour</a:t>
             </a:r>
@@ -4031,6 +3224,7 @@
                   <a:srgbClr val="2c3f71"/>
                 </a:solidFill>
                 <a:latin typeface="Times New Roman"/>
+                <a:ea typeface="DejaVu Sans"/>
               </a:rPr>
               <a:t> cost </a:t>
             </a:r>
@@ -4040,6 +3234,7 @@
                   <a:srgbClr val="2c3f71"/>
                 </a:solidFill>
                 <a:latin typeface="Times New Roman"/>
+                <a:ea typeface="DejaVu Sans"/>
               </a:rPr>
               <a:t>for elderly care</a:t>
             </a:r>
@@ -4054,7 +3249,7 @@
       </p:sp>
       <p:pic>
         <p:nvPicPr>
-          <p:cNvPr id="74" name="图片 30" descr="形状, 圆圈&#10;&#10;描述已自动生成"/>
+          <p:cNvPr id="60" name="图片 30" descr="形状, 圆圈&#10;&#10;描述已自动生成"/>
           <p:cNvPicPr/>
           <p:nvPr/>
         </p:nvPicPr>
@@ -4066,7 +3261,7 @@
         <p:spPr>
           <a:xfrm>
             <a:off x="976320" y="13367520"/>
-            <a:ext cx="2107080" cy="2053440"/>
+            <a:ext cx="2106720" cy="2053080"/>
           </a:xfrm>
           <a:prstGeom prst="rect">
             <a:avLst/>
@@ -4078,14 +3273,14 @@
       </p:pic>
       <p:sp>
         <p:nvSpPr>
-          <p:cNvPr id="75" name="文本占位符 9"/>
+          <p:cNvPr id="61" name="文本占位符 9"/>
           <p:cNvSpPr/>
           <p:nvPr/>
         </p:nvSpPr>
         <p:spPr>
           <a:xfrm>
             <a:off x="3023280" y="8457480"/>
-            <a:ext cx="11882880" cy="3075120"/>
+            <a:ext cx="11882520" cy="3075120"/>
           </a:xfrm>
           <a:prstGeom prst="rect">
             <a:avLst/>
@@ -4123,6 +3318,7 @@
                   <a:srgbClr val="2c3f71"/>
                 </a:solidFill>
                 <a:latin typeface="Times New Roman"/>
+                <a:ea typeface="DejaVu Sans"/>
               </a:rPr>
               <a:t>AI and IoT </a:t>
             </a:r>
@@ -4132,6 +3328,7 @@
                   <a:srgbClr val="2c3f71"/>
                 </a:solidFill>
                 <a:latin typeface="Times New Roman"/>
+                <a:ea typeface="DejaVu Sans"/>
               </a:rPr>
               <a:t>technology to improve Elderly’s life by enhancing bedroom/sleeping environment</a:t>
             </a:r>
@@ -4146,14 +3343,14 @@
       </p:sp>
       <p:sp>
         <p:nvSpPr>
-          <p:cNvPr id="76" name="文本占位符 2"/>
+          <p:cNvPr id="62" name="文本占位符 2"/>
           <p:cNvSpPr/>
           <p:nvPr/>
         </p:nvSpPr>
         <p:spPr>
           <a:xfrm>
             <a:off x="822600" y="16031520"/>
-            <a:ext cx="14274360" cy="1101600"/>
+            <a:ext cx="14274000" cy="1101600"/>
           </a:xfrm>
           <a:prstGeom prst="rect">
             <a:avLst/>
@@ -4194,6 +3391,7 @@
                 </a:solidFill>
                 <a:uFillTx/>
                 <a:latin typeface="Calibri"/>
+                <a:ea typeface="DejaVu Sans"/>
               </a:rPr>
               <a:t>Background &amp; Motivation</a:t>
             </a:r>
@@ -4208,7 +3406,7 @@
       </p:sp>
       <p:pic>
         <p:nvPicPr>
-          <p:cNvPr id="77" name="图片 38" descr="文本&#10;&#10;描述已自动生成"/>
+          <p:cNvPr id="63" name="图片 38" descr="文本&#10;&#10;描述已自动生成"/>
           <p:cNvPicPr/>
           <p:nvPr/>
         </p:nvPicPr>
@@ -4220,7 +3418,7 @@
         <p:spPr>
           <a:xfrm>
             <a:off x="1252080" y="17993520"/>
-            <a:ext cx="1676160" cy="2350440"/>
+            <a:ext cx="1675800" cy="2350080"/>
           </a:xfrm>
           <a:prstGeom prst="rect">
             <a:avLst/>
@@ -4232,14 +3430,14 @@
       </p:pic>
       <p:sp>
         <p:nvSpPr>
-          <p:cNvPr id="78" name="文本占位符 9"/>
+          <p:cNvPr id="64" name="文本占位符 9"/>
           <p:cNvSpPr/>
           <p:nvPr/>
         </p:nvSpPr>
         <p:spPr>
           <a:xfrm>
             <a:off x="3083760" y="17040240"/>
-            <a:ext cx="11882880" cy="4377960"/>
+            <a:ext cx="11882520" cy="4377960"/>
           </a:xfrm>
           <a:prstGeom prst="rect">
             <a:avLst/>
@@ -4279,6 +3477,7 @@
                   <a:srgbClr val="2c3f71"/>
                 </a:solidFill>
                 <a:latin typeface="Times New Roman"/>
+                <a:ea typeface="DejaVu Sans"/>
               </a:rPr>
               <a:t>Sudden Death </a:t>
             </a:r>
@@ -4288,6 +3487,7 @@
                   <a:srgbClr val="2c3f71"/>
                 </a:solidFill>
                 <a:latin typeface="Times New Roman"/>
+                <a:ea typeface="DejaVu Sans"/>
               </a:rPr>
               <a:t>in sleep</a:t>
             </a:r>
@@ -4318,6 +3518,7 @@
                   <a:srgbClr val="2c3f71"/>
                 </a:solidFill>
                 <a:latin typeface="Times New Roman"/>
+                <a:ea typeface="DejaVu Sans"/>
               </a:rPr>
               <a:t>Imperfect </a:t>
             </a:r>
@@ -4327,6 +3528,7 @@
                   <a:srgbClr val="2c3f71"/>
                 </a:solidFill>
                 <a:latin typeface="Times New Roman"/>
+                <a:ea typeface="DejaVu Sans"/>
               </a:rPr>
               <a:t>of sleeping environment</a:t>
             </a:r>
@@ -4357,6 +3559,7 @@
                   <a:srgbClr val="2c3f71"/>
                 </a:solidFill>
                 <a:latin typeface="Times New Roman"/>
+                <a:ea typeface="DejaVu Sans"/>
               </a:rPr>
               <a:t>Lack of </a:t>
             </a:r>
@@ -4366,6 +3569,7 @@
                   <a:srgbClr val="2c3f71"/>
                 </a:solidFill>
                 <a:latin typeface="Times New Roman"/>
+                <a:ea typeface="DejaVu Sans"/>
               </a:rPr>
               <a:t>labour</a:t>
             </a:r>
@@ -4375,6 +3579,7 @@
                   <a:srgbClr val="2c3f71"/>
                 </a:solidFill>
                 <a:latin typeface="Times New Roman"/>
+                <a:ea typeface="DejaVu Sans"/>
               </a:rPr>
               <a:t> </a:t>
             </a:r>
@@ -4384,6 +3589,7 @@
                   <a:srgbClr val="2c3f71"/>
                 </a:solidFill>
                 <a:latin typeface="Times New Roman"/>
+                <a:ea typeface="DejaVu Sans"/>
               </a:rPr>
               <a:t>for elderly care</a:t>
             </a:r>
@@ -4414,6 +3620,7 @@
                   <a:srgbClr val="2c3f71"/>
                 </a:solidFill>
                 <a:latin typeface="Times New Roman"/>
+                <a:ea typeface="DejaVu Sans"/>
               </a:rPr>
               <a:t>~33%</a:t>
             </a:r>
@@ -4423,6 +3630,7 @@
                   <a:srgbClr val="2c3f71"/>
                 </a:solidFill>
                 <a:latin typeface="Times New Roman"/>
+                <a:ea typeface="DejaVu Sans"/>
               </a:rPr>
               <a:t> Elderly people living </a:t>
             </a:r>
@@ -4432,6 +3640,7 @@
                   <a:srgbClr val="2c3f71"/>
                 </a:solidFill>
                 <a:latin typeface="Times New Roman"/>
+                <a:ea typeface="DejaVu Sans"/>
               </a:rPr>
               <a:t>alone</a:t>
             </a:r>
@@ -4446,7 +3655,7 @@
       </p:sp>
       <p:pic>
         <p:nvPicPr>
-          <p:cNvPr id="79" name="Picture 22" descr="AI Vector Icons free download in SVG, PNG Format"/>
+          <p:cNvPr id="65" name="Picture 22" descr="AI Vector Icons free download in SVG, PNG Format"/>
           <p:cNvPicPr/>
           <p:nvPr/>
         </p:nvPicPr>
@@ -4457,7 +3666,7 @@
         <p:spPr>
           <a:xfrm>
             <a:off x="657360" y="28317960"/>
-            <a:ext cx="2365920" cy="2365920"/>
+            <a:ext cx="2365560" cy="2365560"/>
           </a:xfrm>
           <a:prstGeom prst="rect">
             <a:avLst/>
@@ -4469,7 +3678,7 @@
       </p:pic>
       <p:pic>
         <p:nvPicPr>
-          <p:cNvPr id="80" name="Picture 30" descr="Solution icon PNG and SVG Vector Free Download"/>
+          <p:cNvPr id="66" name="Picture 30" descr="Solution icon PNG and SVG Vector Free Download"/>
           <p:cNvPicPr/>
           <p:nvPr/>
         </p:nvPicPr>
@@ -4480,7 +3689,7 @@
         <p:spPr>
           <a:xfrm>
             <a:off x="970920" y="32104440"/>
-            <a:ext cx="2052360" cy="2588040"/>
+            <a:ext cx="2052000" cy="2587680"/>
           </a:xfrm>
           <a:prstGeom prst="rect">
             <a:avLst/>
@@ -4492,14 +3701,14 @@
       </p:pic>
       <p:sp>
         <p:nvSpPr>
-          <p:cNvPr id="81" name="文本占位符 9"/>
+          <p:cNvPr id="67" name="文本占位符 9"/>
           <p:cNvSpPr/>
           <p:nvPr/>
         </p:nvSpPr>
         <p:spPr>
           <a:xfrm>
             <a:off x="3083760" y="27860760"/>
-            <a:ext cx="11882880" cy="3364560"/>
+            <a:ext cx="11882520" cy="3364560"/>
           </a:xfrm>
           <a:prstGeom prst="rect">
             <a:avLst/>
@@ -4539,6 +3748,7 @@
                   <a:srgbClr val="2c3f71"/>
                 </a:solidFill>
                 <a:latin typeface="Times New Roman"/>
+                <a:ea typeface="DejaVu Sans"/>
               </a:rPr>
               <a:t>Detect </a:t>
             </a:r>
@@ -4548,6 +3758,7 @@
                   <a:srgbClr val="2c3f71"/>
                 </a:solidFill>
                 <a:latin typeface="Times New Roman"/>
+                <a:ea typeface="DejaVu Sans"/>
               </a:rPr>
               <a:t>the</a:t>
             </a:r>
@@ -4557,6 +3768,7 @@
                   <a:srgbClr val="2c3f71"/>
                 </a:solidFill>
                 <a:latin typeface="Times New Roman"/>
+                <a:ea typeface="DejaVu Sans"/>
               </a:rPr>
               <a:t> status </a:t>
             </a:r>
@@ -4566,6 +3778,7 @@
                   <a:srgbClr val="2c3f71"/>
                 </a:solidFill>
                 <a:latin typeface="Times New Roman"/>
+                <a:ea typeface="DejaVu Sans"/>
               </a:rPr>
               <a:t>of </a:t>
             </a:r>
@@ -4575,6 +3788,7 @@
                   <a:srgbClr val="2c3f71"/>
                 </a:solidFill>
                 <a:latin typeface="Times New Roman"/>
+                <a:ea typeface="DejaVu Sans"/>
               </a:rPr>
               <a:t>Person</a:t>
             </a:r>
@@ -4605,6 +3819,7 @@
                   <a:srgbClr val="2c3f71"/>
                 </a:solidFill>
                 <a:latin typeface="Times New Roman"/>
+                <a:ea typeface="DejaVu Sans"/>
               </a:rPr>
               <a:t>Control Devices </a:t>
             </a:r>
@@ -4614,6 +3829,7 @@
                   <a:srgbClr val="2c3f71"/>
                 </a:solidFill>
                 <a:latin typeface="Times New Roman"/>
+                <a:ea typeface="DejaVu Sans"/>
               </a:rPr>
               <a:t>by the </a:t>
             </a:r>
@@ -4623,6 +3839,7 @@
                   <a:srgbClr val="2c3f71"/>
                 </a:solidFill>
                 <a:latin typeface="Times New Roman"/>
+                <a:ea typeface="DejaVu Sans"/>
               </a:rPr>
               <a:t>status</a:t>
             </a:r>
@@ -4653,6 +3870,7 @@
                   <a:srgbClr val="2c3f71"/>
                 </a:solidFill>
                 <a:latin typeface="Times New Roman"/>
+                <a:ea typeface="DejaVu Sans"/>
               </a:rPr>
               <a:t>Fit within elderly’s preferences </a:t>
             </a:r>
@@ -4667,14 +3885,14 @@
       </p:sp>
       <p:sp>
         <p:nvSpPr>
-          <p:cNvPr id="82" name="文本占位符 9"/>
+          <p:cNvPr id="68" name="文本占位符 9"/>
           <p:cNvSpPr/>
           <p:nvPr/>
         </p:nvSpPr>
         <p:spPr>
           <a:xfrm>
             <a:off x="3240000" y="31915440"/>
-            <a:ext cx="11882880" cy="3364560"/>
+            <a:ext cx="11882520" cy="3364560"/>
           </a:xfrm>
           <a:prstGeom prst="rect">
             <a:avLst/>
@@ -4714,6 +3932,7 @@
                   <a:srgbClr val="2c3f71"/>
                 </a:solidFill>
                 <a:latin typeface="Times New Roman"/>
+                <a:ea typeface="DejaVu Sans"/>
               </a:rPr>
               <a:t>Object detection</a:t>
             </a:r>
@@ -4744,6 +3963,7 @@
                   <a:srgbClr val="2c3f71"/>
                 </a:solidFill>
                 <a:latin typeface="Times New Roman"/>
+                <a:ea typeface="DejaVu Sans"/>
               </a:rPr>
               <a:t>Gesture analysis</a:t>
             </a:r>
@@ -4774,6 +3994,7 @@
                   <a:srgbClr val="2c3f71"/>
                 </a:solidFill>
                 <a:latin typeface="Times New Roman"/>
+                <a:ea typeface="DejaVu Sans"/>
               </a:rPr>
               <a:t>Thermal analysis</a:t>
             </a:r>
@@ -4788,7 +4009,7 @@
       </p:sp>
       <p:pic>
         <p:nvPicPr>
-          <p:cNvPr id="83" name="Picture 28" descr="Iot - Free interface icons"/>
+          <p:cNvPr id="69" name="Picture 28" descr="Iot - Free interface icons"/>
           <p:cNvPicPr/>
           <p:nvPr/>
         </p:nvPicPr>
@@ -4799,7 +4020,7 @@
         <p:spPr>
           <a:xfrm>
             <a:off x="1101240" y="35633160"/>
-            <a:ext cx="1954080" cy="2365920"/>
+            <a:ext cx="1953720" cy="2365560"/>
           </a:xfrm>
           <a:prstGeom prst="rect">
             <a:avLst/>
@@ -4811,14 +4032,14 @@
       </p:pic>
       <p:sp>
         <p:nvSpPr>
-          <p:cNvPr id="84" name="文本占位符 9"/>
+          <p:cNvPr id="70" name="文本占位符 9"/>
           <p:cNvSpPr/>
           <p:nvPr/>
         </p:nvSpPr>
         <p:spPr>
           <a:xfrm>
             <a:off x="3083760" y="35099640"/>
-            <a:ext cx="11882880" cy="6474600"/>
+            <a:ext cx="11882520" cy="6474600"/>
           </a:xfrm>
           <a:prstGeom prst="rect">
             <a:avLst/>
@@ -4858,6 +4079,7 @@
                   <a:srgbClr val="2c3f71"/>
                 </a:solidFill>
                 <a:latin typeface="Times New Roman"/>
+                <a:ea typeface="DejaVu Sans"/>
               </a:rPr>
               <a:t>IR camera</a:t>
             </a:r>
@@ -4888,6 +4110,7 @@
                   <a:srgbClr val="2c3f71"/>
                 </a:solidFill>
                 <a:latin typeface="Times New Roman"/>
+                <a:ea typeface="DejaVu Sans"/>
               </a:rPr>
               <a:t>Temperature</a:t>
             </a:r>
@@ -4918,6 +4141,7 @@
                   <a:srgbClr val="2c3f71"/>
                 </a:solidFill>
                 <a:latin typeface="Times New Roman"/>
+                <a:ea typeface="DejaVu Sans"/>
               </a:rPr>
               <a:t>Object information</a:t>
             </a:r>
@@ -4948,6 +4172,7 @@
                   <a:srgbClr val="2c3f71"/>
                 </a:solidFill>
                 <a:latin typeface="Times New Roman"/>
+                <a:ea typeface="DejaVu Sans"/>
               </a:rPr>
               <a:t>Other home </a:t>
             </a:r>
@@ -4957,6 +4182,7 @@
                   <a:srgbClr val="2c3f71"/>
                 </a:solidFill>
                 <a:latin typeface="Times New Roman"/>
+                <a:ea typeface="DejaVu Sans"/>
               </a:rPr>
               <a:t>IoT devices</a:t>
             </a:r>
@@ -4987,6 +4213,7 @@
                   <a:srgbClr val="2c3f71"/>
                 </a:solidFill>
                 <a:latin typeface="Times New Roman"/>
+                <a:ea typeface="DejaVu Sans"/>
               </a:rPr>
               <a:t>Lights</a:t>
             </a:r>
@@ -5017,6 +4244,7 @@
                   <a:srgbClr val="2c3f71"/>
                 </a:solidFill>
                 <a:latin typeface="Times New Roman"/>
+                <a:ea typeface="DejaVu Sans"/>
               </a:rPr>
               <a:t>Air-conditioner</a:t>
             </a:r>
@@ -5047,6 +4275,7 @@
                   <a:srgbClr val="2c3f71"/>
                 </a:solidFill>
                 <a:latin typeface="Times New Roman"/>
+                <a:ea typeface="DejaVu Sans"/>
               </a:rPr>
               <a:t>Music box</a:t>
             </a:r>
@@ -5061,13 +4290,13 @@
       </p:sp>
       <p:graphicFrame>
         <p:nvGraphicFramePr>
-          <p:cNvPr id="85" name="表格 53"/>
+          <p:cNvPr id="71" name="表格 53"/>
           <p:cNvGraphicFramePr/>
           <p:nvPr/>
         </p:nvGraphicFramePr>
         <p:xfrm>
           <a:off x="15514920" y="8886960"/>
-          <a:ext cx="14006160" cy="6447960"/>
+          <a:ext cx="14005440" cy="6447960"/>
         </p:xfrm>
         <a:graphic>
           <a:graphicData uri="http://schemas.openxmlformats.org/drawingml/2006/table">
@@ -5815,7 +5044,7 @@
       </p:graphicFrame>
       <p:pic>
         <p:nvPicPr>
-          <p:cNvPr id="86" name="图片 54" descr="图标&#10;&#10;描述已自动生成"/>
+          <p:cNvPr id="72" name="图片 54" descr="图标&#10;&#10;描述已自动生成"/>
           <p:cNvPicPr/>
           <p:nvPr/>
         </p:nvPicPr>
@@ -5826,7 +5055,7 @@
         <p:spPr>
           <a:xfrm>
             <a:off x="15764760" y="16713360"/>
-            <a:ext cx="1986480" cy="2155320"/>
+            <a:ext cx="1986120" cy="2154960"/>
           </a:xfrm>
           <a:prstGeom prst="rect">
             <a:avLst/>
@@ -5838,14 +5067,14 @@
       </p:pic>
       <p:sp>
         <p:nvSpPr>
-          <p:cNvPr id="87" name="文本占位符 9"/>
+          <p:cNvPr id="73" name="文本占位符 9"/>
           <p:cNvSpPr/>
           <p:nvPr/>
         </p:nvSpPr>
         <p:spPr>
           <a:xfrm>
             <a:off x="17942400" y="16036200"/>
-            <a:ext cx="11882880" cy="4377960"/>
+            <a:ext cx="11882520" cy="4377960"/>
           </a:xfrm>
           <a:prstGeom prst="rect">
             <a:avLst/>
@@ -5885,6 +5114,7 @@
                   <a:srgbClr val="2c3f71"/>
                 </a:solidFill>
                 <a:latin typeface="Times New Roman"/>
+                <a:ea typeface="DejaVu Sans"/>
               </a:rPr>
               <a:t>Safe </a:t>
             </a:r>
@@ -5894,6 +5124,7 @@
                   <a:srgbClr val="2c3f71"/>
                 </a:solidFill>
                 <a:latin typeface="Times New Roman"/>
+                <a:ea typeface="DejaVu Sans"/>
               </a:rPr>
               <a:t>and </a:t>
             </a:r>
@@ -5903,6 +5134,7 @@
                   <a:srgbClr val="2c3f71"/>
                 </a:solidFill>
                 <a:latin typeface="Times New Roman"/>
+                <a:ea typeface="DejaVu Sans"/>
               </a:rPr>
               <a:t>Cozy </a:t>
             </a:r>
@@ -5912,6 +5144,7 @@
                   <a:srgbClr val="2c3f71"/>
                 </a:solidFill>
                 <a:latin typeface="Times New Roman"/>
+                <a:ea typeface="DejaVu Sans"/>
               </a:rPr>
               <a:t>environment</a:t>
             </a:r>
@@ -5942,6 +5175,7 @@
                   <a:srgbClr val="2c3f71"/>
                 </a:solidFill>
                 <a:latin typeface="Times New Roman"/>
+                <a:ea typeface="DejaVu Sans"/>
               </a:rPr>
               <a:t>Continuous monitor</a:t>
             </a:r>
@@ -5972,6 +5206,7 @@
                   <a:srgbClr val="2c3f71"/>
                 </a:solidFill>
                 <a:latin typeface="Times New Roman"/>
+                <a:ea typeface="DejaVu Sans"/>
               </a:rPr>
               <a:t>Healthy sleep</a:t>
             </a:r>
@@ -6002,6 +5237,7 @@
                   <a:srgbClr val="2c3f71"/>
                 </a:solidFill>
                 <a:latin typeface="Times New Roman"/>
+                <a:ea typeface="DejaVu Sans"/>
               </a:rPr>
               <a:t>Can </a:t>
             </a:r>
@@ -6011,6 +5247,7 @@
                   <a:srgbClr val="2c3f71"/>
                 </a:solidFill>
                 <a:latin typeface="Times New Roman"/>
+                <a:ea typeface="DejaVu Sans"/>
               </a:rPr>
               <a:t>customize for different cases</a:t>
             </a:r>
@@ -6025,7 +5262,7 @@
       </p:sp>
       <p:pic>
         <p:nvPicPr>
-          <p:cNvPr id="88" name="Picture 36" descr="Advantages - Free marketing icons"/>
+          <p:cNvPr id="74" name="Picture 36" descr="Advantages - Free marketing icons"/>
           <p:cNvPicPr/>
           <p:nvPr/>
         </p:nvPicPr>
@@ -6036,7 +5273,7 @@
         <p:spPr>
           <a:xfrm>
             <a:off x="15764760" y="30146760"/>
-            <a:ext cx="1986480" cy="1986480"/>
+            <a:ext cx="1986120" cy="1986120"/>
           </a:xfrm>
           <a:prstGeom prst="rect">
             <a:avLst/>
@@ -6048,14 +5285,14 @@
       </p:pic>
       <p:sp>
         <p:nvSpPr>
-          <p:cNvPr id="89" name="文本占位符 9"/>
+          <p:cNvPr id="75" name="文本占位符 9"/>
           <p:cNvSpPr/>
           <p:nvPr/>
         </p:nvSpPr>
         <p:spPr>
           <a:xfrm>
             <a:off x="17942400" y="28437120"/>
-            <a:ext cx="11882880" cy="6173280"/>
+            <a:ext cx="11882520" cy="6173280"/>
           </a:xfrm>
           <a:prstGeom prst="rect">
             <a:avLst/>
@@ -6095,6 +5332,7 @@
                   <a:srgbClr val="2c3f71"/>
                 </a:solidFill>
                 <a:latin typeface="Times New Roman"/>
+                <a:ea typeface="DejaVu Sans"/>
               </a:rPr>
               <a:t>Ensure bedroom safety</a:t>
             </a:r>
@@ -6125,6 +5363,7 @@
                   <a:srgbClr val="2c3f71"/>
                 </a:solidFill>
                 <a:latin typeface="Times New Roman"/>
+                <a:ea typeface="DejaVu Sans"/>
               </a:rPr>
               <a:t>40% of household injuries</a:t>
             </a:r>
@@ -6155,6 +5394,7 @@
                   <a:srgbClr val="2c3f71"/>
                 </a:solidFill>
                 <a:latin typeface="Times New Roman"/>
+                <a:ea typeface="DejaVu Sans"/>
               </a:rPr>
               <a:t>Suit elderly’s situations</a:t>
             </a:r>
@@ -6185,6 +5425,7 @@
                   <a:srgbClr val="2c3f71"/>
                 </a:solidFill>
                 <a:latin typeface="Times New Roman"/>
+                <a:ea typeface="DejaVu Sans"/>
               </a:rPr>
               <a:t>All automatic</a:t>
             </a:r>
@@ -6215,6 +5456,7 @@
                   <a:srgbClr val="2c3f71"/>
                 </a:solidFill>
                 <a:latin typeface="Times New Roman"/>
+                <a:ea typeface="DejaVu Sans"/>
               </a:rPr>
               <a:t>Cater elderly’s needs</a:t>
             </a:r>
@@ -6245,6 +5487,7 @@
                   <a:srgbClr val="2c3f71"/>
                 </a:solidFill>
                 <a:latin typeface="Times New Roman"/>
+                <a:ea typeface="DejaVu Sans"/>
               </a:rPr>
               <a:t>Non-stop care</a:t>
             </a:r>
@@ -6259,14 +5502,14 @@
       </p:sp>
       <p:sp>
         <p:nvSpPr>
-          <p:cNvPr id="90" name="文本占位符 9"/>
+          <p:cNvPr id="76" name="文本占位符 9"/>
           <p:cNvSpPr/>
           <p:nvPr/>
         </p:nvSpPr>
         <p:spPr>
           <a:xfrm>
             <a:off x="17938800" y="34061040"/>
-            <a:ext cx="11882880" cy="4233240"/>
+            <a:ext cx="11882520" cy="4233240"/>
           </a:xfrm>
           <a:prstGeom prst="rect">
             <a:avLst/>
@@ -6306,6 +5549,7 @@
                   <a:srgbClr val="2c3f71"/>
                 </a:solidFill>
                 <a:latin typeface="Times New Roman"/>
+                <a:ea typeface="DejaVu Sans"/>
               </a:rPr>
               <a:t>Extend the system</a:t>
             </a:r>
@@ -6336,6 +5580,7 @@
                   <a:srgbClr val="2c3f71"/>
                 </a:solidFill>
                 <a:latin typeface="Times New Roman"/>
+                <a:ea typeface="DejaVu Sans"/>
               </a:rPr>
               <a:t>Include other living spaces</a:t>
             </a:r>
@@ -6366,6 +5611,7 @@
                   <a:srgbClr val="2c3f71"/>
                 </a:solidFill>
                 <a:latin typeface="Times New Roman"/>
+                <a:ea typeface="DejaVu Sans"/>
               </a:rPr>
               <a:t>E.g. Living room, corridors, etc.</a:t>
             </a:r>
@@ -6380,7 +5626,7 @@
       </p:sp>
       <p:pic>
         <p:nvPicPr>
-          <p:cNvPr id="91" name="Picture 40" descr="Money Increase Icon - Free PNG &amp; SVG 1260094 - Noun Project"/>
+          <p:cNvPr id="77" name="Picture 40" descr="Money Increase Icon - Free PNG &amp; SVG 1260094 - Noun Project"/>
           <p:cNvPicPr/>
           <p:nvPr/>
         </p:nvPicPr>
@@ -6391,7 +5637,7 @@
         <p:spPr>
           <a:xfrm>
             <a:off x="15764760" y="37707480"/>
-            <a:ext cx="2039760" cy="2039760"/>
+            <a:ext cx="2039400" cy="2039400"/>
           </a:xfrm>
           <a:prstGeom prst="rect">
             <a:avLst/>
@@ -6403,14 +5649,14 @@
       </p:pic>
       <p:sp>
         <p:nvSpPr>
-          <p:cNvPr id="92" name="文本占位符 9"/>
+          <p:cNvPr id="78" name="文本占位符 9"/>
           <p:cNvSpPr/>
           <p:nvPr/>
         </p:nvSpPr>
         <p:spPr>
           <a:xfrm>
             <a:off x="17942400" y="37539720"/>
-            <a:ext cx="11882880" cy="3364560"/>
+            <a:ext cx="11882520" cy="3364560"/>
           </a:xfrm>
           <a:prstGeom prst="rect">
             <a:avLst/>
@@ -6450,6 +5696,7 @@
                   <a:srgbClr val="2c3f71"/>
                 </a:solidFill>
                 <a:latin typeface="Times New Roman"/>
+                <a:ea typeface="DejaVu Sans"/>
               </a:rPr>
               <a:t>Continuous revenues</a:t>
             </a:r>
@@ -6480,6 +5727,7 @@
                   <a:srgbClr val="2c3f71"/>
                 </a:solidFill>
                 <a:latin typeface="Times New Roman"/>
+                <a:ea typeface="DejaVu Sans"/>
               </a:rPr>
               <a:t>Care-on-Call service, etc.</a:t>
             </a:r>
@@ -6510,6 +5758,7 @@
                   <a:srgbClr val="2c3f71"/>
                 </a:solidFill>
                 <a:latin typeface="Times New Roman"/>
+                <a:ea typeface="DejaVu Sans"/>
               </a:rPr>
               <a:t>To Support continuous update</a:t>
             </a:r>
@@ -6524,13 +5773,13 @@
       </p:sp>
       <p:graphicFrame>
         <p:nvGraphicFramePr>
-          <p:cNvPr id="93" name="表格 4098"/>
+          <p:cNvPr id="79" name="表格 4098"/>
           <p:cNvGraphicFramePr/>
           <p:nvPr/>
         </p:nvGraphicFramePr>
         <p:xfrm>
           <a:off x="15506280" y="15305400"/>
-          <a:ext cx="14014800" cy="960480"/>
+          <a:ext cx="14014440" cy="960480"/>
         </p:xfrm>
         <a:graphic>
           <a:graphicData uri="http://schemas.openxmlformats.org/drawingml/2006/table">
@@ -6603,7 +5852,7 @@
       </p:graphicFrame>
       <p:pic>
         <p:nvPicPr>
-          <p:cNvPr id="94" name="图片 4100" descr="卡通人物&#10;&#10;中度可信度描述已自动生成"/>
+          <p:cNvPr id="80" name="图片 4100" descr="卡通人物&#10;&#10;中度可信度描述已自动生成"/>
           <p:cNvPicPr/>
           <p:nvPr/>
         </p:nvPicPr>
@@ -6614,7 +5863,7 @@
         <p:spPr>
           <a:xfrm>
             <a:off x="10344960" y="31267080"/>
-            <a:ext cx="4571640" cy="6095520"/>
+            <a:ext cx="4571280" cy="6095160"/>
           </a:xfrm>
           <a:prstGeom prst="rect">
             <a:avLst/>
@@ -6626,7 +5875,7 @@
       </p:pic>
       <p:pic>
         <p:nvPicPr>
-          <p:cNvPr id="95" name="Picture 6" descr=""/>
+          <p:cNvPr id="81" name="Picture 6" descr=""/>
           <p:cNvPicPr/>
           <p:nvPr/>
         </p:nvPicPr>
@@ -6637,7 +5886,7 @@
         <p:spPr>
           <a:xfrm>
             <a:off x="15757920" y="34642440"/>
-            <a:ext cx="1993320" cy="2093040"/>
+            <a:ext cx="1992960" cy="2092680"/>
           </a:xfrm>
           <a:prstGeom prst="rect">
             <a:avLst/>
@@ -6649,7 +5898,7 @@
       </p:pic>
       <p:pic>
         <p:nvPicPr>
-          <p:cNvPr id="96" name="图片 9" descr="QR 代码&#10;&#10;描述已自动生成"/>
+          <p:cNvPr id="82" name="图片 9" descr="QR 代码&#10;&#10;描述已自动生成"/>
           <p:cNvPicPr/>
           <p:nvPr/>
         </p:nvPicPr>
@@ -6660,7 +5909,7 @@
         <p:spPr>
           <a:xfrm>
             <a:off x="23580000" y="360000"/>
-            <a:ext cx="5268960" cy="5268960"/>
+            <a:ext cx="5268600" cy="5268600"/>
           </a:xfrm>
           <a:prstGeom prst="rect">
             <a:avLst/>
@@ -6672,7 +5921,7 @@
       </p:pic>
       <p:pic>
         <p:nvPicPr>
-          <p:cNvPr id="97" name="Picture 2" descr="Senior Woman Sitting Alone On Sofa Stock Illustration - Download Image Now  - Senior Adult, Grandmother, Grandparent - iStock"/>
+          <p:cNvPr id="83" name="Picture 2" descr="Senior Woman Sitting Alone On Sofa Stock Illustration - Download Image Now  - Senior Adult, Grandmother, Grandparent - iStock"/>
           <p:cNvPicPr/>
           <p:nvPr/>
         </p:nvPicPr>
@@ -6683,7 +5932,7 @@
         <p:spPr>
           <a:xfrm>
             <a:off x="8999640" y="22214160"/>
-            <a:ext cx="5249880" cy="4203360"/>
+            <a:ext cx="5249520" cy="4203000"/>
           </a:xfrm>
           <a:prstGeom prst="rect">
             <a:avLst/>
@@ -6695,7 +5944,7 @@
       </p:pic>
       <p:pic>
         <p:nvPicPr>
-          <p:cNvPr id="98" name="Picture 6" descr="Care, elderly, eldercare icon - Download on Iconfinder"/>
+          <p:cNvPr id="84" name="Picture 6" descr="Care, elderly, eldercare icon - Download on Iconfinder"/>
           <p:cNvPicPr/>
           <p:nvPr/>
         </p:nvPicPr>
@@ -6706,7 +5955,7 @@
         <p:spPr>
           <a:xfrm>
             <a:off x="25820640" y="16971120"/>
-            <a:ext cx="3008520" cy="2627640"/>
+            <a:ext cx="3008160" cy="2627280"/>
           </a:xfrm>
           <a:prstGeom prst="rect">
             <a:avLst/>
@@ -6718,7 +5967,7 @@
       </p:pic>
       <p:pic>
         <p:nvPicPr>
-          <p:cNvPr id="99" name="Picture 2" descr="SDG Goal 3: Good Health and Well-Being-Product - 教育資源網 | 聯合國兒童基金香港委員會  UNICEF HK Education Web Portal"/>
+          <p:cNvPr id="85" name="Picture 2" descr="SDG Goal 3: Good Health and Well-Being-Product - 教育資源網 | 聯合國兒童基金香港委員會  UNICEF HK Education Web Portal"/>
           <p:cNvPicPr/>
           <p:nvPr/>
         </p:nvPicPr>
@@ -6729,7 +5978,7 @@
         <p:spPr>
           <a:xfrm>
             <a:off x="2600280" y="22221720"/>
-            <a:ext cx="4191480" cy="4191480"/>
+            <a:ext cx="4191120" cy="4191120"/>
           </a:xfrm>
           <a:prstGeom prst="rect">
             <a:avLst/>
@@ -6741,7 +5990,7 @@
       </p:pic>
       <p:pic>
         <p:nvPicPr>
-          <p:cNvPr id="100" name="图片 25" descr=""/>
+          <p:cNvPr id="86" name="图片 25" descr=""/>
           <p:cNvPicPr/>
           <p:nvPr/>
         </p:nvPicPr>
@@ -6752,7 +6001,7 @@
         <p:spPr>
           <a:xfrm>
             <a:off x="1373760" y="41881320"/>
-            <a:ext cx="2710800" cy="685440"/>
+            <a:ext cx="2710440" cy="685080"/>
           </a:xfrm>
           <a:prstGeom prst="rect">
             <a:avLst/>
@@ -6764,14 +6013,14 @@
       </p:pic>
       <p:sp>
         <p:nvSpPr>
-          <p:cNvPr id="101" name="文本占位符 3"/>
-          <p:cNvSpPr txBox="1"/>
+          <p:cNvPr id="87" name="文本占位符 3"/>
+          <p:cNvSpPr/>
           <p:nvPr/>
         </p:nvSpPr>
         <p:spPr>
           <a:xfrm>
             <a:off x="15486120" y="27443160"/>
-            <a:ext cx="14258520" cy="1110960"/>
+            <a:ext cx="14258160" cy="1110600"/>
           </a:xfrm>
           <a:prstGeom prst="rect">
             <a:avLst/>
@@ -6781,6 +6030,12 @@
             <a:noFill/>
           </a:ln>
         </p:spPr>
+        <p:style>
+          <a:lnRef idx="0"/>
+          <a:fillRef idx="0"/>
+          <a:effectRef idx="0"/>
+          <a:fontRef idx="minor"/>
+        </p:style>
         <p:txBody>
           <a:bodyPr lIns="93960" rIns="93960" tIns="93960" bIns="93960" anchor="ctr">
             <a:noAutofit/>
@@ -6809,25 +6064,25 @@
               </a:rPr>
               <a:t>Conclusion</a:t>
             </a:r>
-            <a:endParaRPr b="0" lang="en-US" sz="6000" spc="-1" strike="noStrike">
-              <a:solidFill>
-                <a:srgbClr val="000000"/>
-              </a:solidFill>
-              <a:latin typeface="Calibri"/>
+            <a:endParaRPr b="0" lang="en-HK" sz="6000" spc="-1" strike="noStrike">
+              <a:solidFill>
+                <a:srgbClr val="000000"/>
+              </a:solidFill>
+              <a:latin typeface="Arial"/>
             </a:endParaRPr>
           </a:p>
         </p:txBody>
       </p:sp>
       <p:sp>
         <p:nvSpPr>
-          <p:cNvPr id="102" name="文本占位符 4"/>
-          <p:cNvSpPr txBox="1"/>
+          <p:cNvPr id="88" name="文本占位符 4"/>
+          <p:cNvSpPr/>
           <p:nvPr/>
         </p:nvSpPr>
         <p:spPr>
           <a:xfrm>
             <a:off x="15486480" y="20783160"/>
-            <a:ext cx="14258520" cy="1110960"/>
+            <a:ext cx="14258160" cy="1110600"/>
           </a:xfrm>
           <a:prstGeom prst="rect">
             <a:avLst/>
@@ -6837,6 +6092,12 @@
             <a:noFill/>
           </a:ln>
         </p:spPr>
+        <p:style>
+          <a:lnRef idx="0"/>
+          <a:fillRef idx="0"/>
+          <a:effectRef idx="0"/>
+          <a:fontRef idx="minor"/>
+        </p:style>
         <p:txBody>
           <a:bodyPr lIns="93960" rIns="93960" tIns="93960" bIns="93960" anchor="ctr">
             <a:noAutofit/>
@@ -6865,25 +6126,25 @@
               </a:rPr>
               <a:t>Location</a:t>
             </a:r>
-            <a:endParaRPr b="0" lang="en-US" sz="6000" spc="-1" strike="noStrike">
-              <a:solidFill>
-                <a:srgbClr val="000000"/>
-              </a:solidFill>
-              <a:latin typeface="Calibri"/>
+            <a:endParaRPr b="0" lang="en-HK" sz="6000" spc="-1" strike="noStrike">
+              <a:solidFill>
+                <a:srgbClr val="000000"/>
+              </a:solidFill>
+              <a:latin typeface="Arial"/>
             </a:endParaRPr>
           </a:p>
         </p:txBody>
       </p:sp>
       <p:sp>
         <p:nvSpPr>
-          <p:cNvPr id="103" name="文本占位符 6"/>
+          <p:cNvPr id="89" name="文本占位符 6"/>
           <p:cNvSpPr/>
           <p:nvPr/>
         </p:nvSpPr>
         <p:spPr>
           <a:xfrm>
             <a:off x="17942400" y="21550320"/>
-            <a:ext cx="11882880" cy="6216120"/>
+            <a:ext cx="11882520" cy="6215400"/>
           </a:xfrm>
           <a:prstGeom prst="rect">
             <a:avLst/>
@@ -6923,6 +6184,7 @@
                   <a:srgbClr val="2c3f71"/>
                 </a:solidFill>
                 <a:latin typeface="Times New Roman"/>
+                <a:ea typeface="DejaVu Sans"/>
               </a:rPr>
               <a:t>Nursing Home</a:t>
             </a:r>
@@ -6953,6 +6215,7 @@
                   <a:srgbClr val="2c3f71"/>
                 </a:solidFill>
                 <a:latin typeface="Times New Roman"/>
+                <a:ea typeface="DejaVu Sans"/>
               </a:rPr>
               <a:t>Reduce number </a:t>
             </a:r>
@@ -6962,6 +6225,7 @@
                   <a:srgbClr val="2c3f71"/>
                 </a:solidFill>
                 <a:latin typeface="Times New Roman"/>
+                <a:ea typeface="DejaVu Sans"/>
               </a:rPr>
               <a:t>of nurse required</a:t>
             </a:r>
@@ -6992,6 +6256,7 @@
                   <a:srgbClr val="2c3f71"/>
                 </a:solidFill>
                 <a:latin typeface="Times New Roman"/>
+                <a:ea typeface="DejaVu Sans"/>
               </a:rPr>
               <a:t>Less</a:t>
             </a:r>
@@ -7001,6 +6266,7 @@
                   <a:srgbClr val="2c3f71"/>
                 </a:solidFill>
                 <a:latin typeface="Times New Roman"/>
+                <a:ea typeface="DejaVu Sans"/>
               </a:rPr>
               <a:t> </a:t>
             </a:r>
@@ -7010,6 +6276,7 @@
                   <a:srgbClr val="2c3f71"/>
                 </a:solidFill>
                 <a:latin typeface="Times New Roman"/>
+                <a:ea typeface="DejaVu Sans"/>
               </a:rPr>
               <a:t>cost </a:t>
             </a:r>
@@ -7019,6 +6286,7 @@
                   <a:srgbClr val="2c3f71"/>
                 </a:solidFill>
                 <a:latin typeface="Times New Roman"/>
+                <a:ea typeface="DejaVu Sans"/>
               </a:rPr>
               <a:t>than </a:t>
             </a:r>
@@ -7028,6 +6296,7 @@
                   <a:srgbClr val="2c3f71"/>
                 </a:solidFill>
                 <a:latin typeface="Times New Roman"/>
+                <a:ea typeface="DejaVu Sans"/>
               </a:rPr>
               <a:t>hiring </a:t>
             </a:r>
@@ -7037,6 +6306,7 @@
                   <a:srgbClr val="2c3f71"/>
                 </a:solidFill>
                 <a:latin typeface="Times New Roman"/>
+                <a:ea typeface="DejaVu Sans"/>
               </a:rPr>
               <a:t>a nurse</a:t>
             </a:r>
@@ -7067,6 +6337,7 @@
                   <a:srgbClr val="2c3f71"/>
                 </a:solidFill>
                 <a:latin typeface="Times New Roman"/>
+                <a:ea typeface="DejaVu Sans"/>
               </a:rPr>
               <a:t>Homes</a:t>
             </a:r>
@@ -7097,6 +6368,7 @@
                   <a:srgbClr val="2c3f71"/>
                 </a:solidFill>
                 <a:latin typeface="Times New Roman"/>
+                <a:ea typeface="DejaVu Sans"/>
               </a:rPr>
               <a:t>Take care of </a:t>
             </a:r>
@@ -7106,6 +6378,7 @@
                   <a:srgbClr val="2c3f71"/>
                 </a:solidFill>
                 <a:latin typeface="Times New Roman"/>
+                <a:ea typeface="DejaVu Sans"/>
               </a:rPr>
               <a:t>solitary elderly</a:t>
             </a:r>
@@ -7136,6 +6409,7 @@
                   <a:srgbClr val="2c3f71"/>
                 </a:solidFill>
                 <a:latin typeface="Times New Roman"/>
+                <a:ea typeface="DejaVu Sans"/>
               </a:rPr>
               <a:t>Take care of </a:t>
             </a:r>
@@ -7145,6 +6419,7 @@
                   <a:srgbClr val="2c3f71"/>
                 </a:solidFill>
                 <a:latin typeface="Times New Roman"/>
+                <a:ea typeface="DejaVu Sans"/>
               </a:rPr>
               <a:t>elderly when they are sleeping(cannot be cover by human)</a:t>
             </a:r>
@@ -7159,7 +6434,7 @@
       </p:sp>
       <p:pic>
         <p:nvPicPr>
-          <p:cNvPr id="104" name="" descr=""/>
+          <p:cNvPr id="90" name="" descr=""/>
           <p:cNvPicPr/>
           <p:nvPr/>
         </p:nvPicPr>
@@ -7170,7 +6445,7 @@
         <p:spPr>
           <a:xfrm>
             <a:off x="15526800" y="22206960"/>
-            <a:ext cx="2437920" cy="2437920"/>
+            <a:ext cx="2437560" cy="2437560"/>
           </a:xfrm>
           <a:prstGeom prst="rect">
             <a:avLst/>
